--- a/RAI_Ecomm.pptx
+++ b/RAI_Ecomm.pptx
@@ -1,9 +1,12 @@
 
 <file path=ppt/presentation.xml><?xml version="1.0" encoding="utf-8"?>
-<p:presentation xmlns:a="http://schemas.openxmlformats.org/drawingml/2006/main" xmlns:r="http://schemas.openxmlformats.org/officeDocument/2006/relationships" xmlns:p="http://schemas.openxmlformats.org/presentationml/2006/main" saveSubsetFonts="1">
+<p:presentation xmlns:a="http://schemas.openxmlformats.org/drawingml/2006/main" xmlns:r="http://schemas.openxmlformats.org/officeDocument/2006/relationships" xmlns:p="http://schemas.openxmlformats.org/presentationml/2006/main" showSpecialPlsOnTitleSld="0" saveSubsetFonts="1">
   <p:sldMasterIdLst>
     <p:sldMasterId id="2147483695" r:id="rId1"/>
   </p:sldMasterIdLst>
+  <p:notesMasterIdLst>
+    <p:notesMasterId r:id="rId8"/>
+  </p:notesMasterIdLst>
   <p:sldIdLst>
     <p:sldId id="259" r:id="rId2"/>
     <p:sldId id="258" r:id="rId3"/>
@@ -12,7 +15,7 @@
     <p:sldId id="261" r:id="rId6"/>
     <p:sldId id="260" r:id="rId7"/>
   </p:sldIdLst>
-  <p:sldSz cx="9144000" cy="5143500"/>
+  <p:sldSz cx="9144000" cy="5143500" type="screen16x9"/>
   <p:notesSz cx="6858000" cy="9144000"/>
   <p:defaultTextStyle>
     <a:defPPr>
@@ -109,7 +112,362 @@
       </a:defRPr>
     </a:lvl9pPr>
   </p:defaultTextStyle>
+  <p:extLst>
+    <p:ext uri="{EFAFB233-063F-42B5-8137-9DF3F51BA10A}">
+      <p15:sldGuideLst xmlns:p15="http://schemas.microsoft.com/office/powerpoint/2012/main"/>
+    </p:ext>
+  </p:extLst>
 </p:presentation>
+</file>
+
+<file path=ppt/notesMasters/notesMaster1.xml><?xml version="1.0" encoding="utf-8"?>
+<p:notesMaster xmlns:a="http://schemas.openxmlformats.org/drawingml/2006/main" xmlns:r="http://schemas.openxmlformats.org/officeDocument/2006/relationships" xmlns:p="http://schemas.openxmlformats.org/presentationml/2006/main">
+  <p:cSld>
+    <p:bg>
+      <p:bgRef idx="1001">
+        <a:schemeClr val="bg1"/>
+      </p:bgRef>
+    </p:bg>
+    <p:spTree>
+      <p:nvGrpSpPr>
+        <p:cNvPr id="1" name=""/>
+        <p:cNvGrpSpPr/>
+        <p:nvPr/>
+      </p:nvGrpSpPr>
+      <p:grpSpPr>
+        <a:xfrm>
+          <a:off x="0" y="0"/>
+          <a:ext cx="0" cy="0"/>
+          <a:chOff x="0" y="0"/>
+          <a:chExt cx="0" cy="0"/>
+        </a:xfrm>
+      </p:grpSpPr>
+      <p:sp>
+        <p:nvSpPr>
+          <p:cNvPr id="2" name="Header Placeholder 1"/>
+          <p:cNvSpPr>
+            <a:spLocks noGrp="1"/>
+          </p:cNvSpPr>
+          <p:nvPr>
+            <p:ph type="hdr" sz="quarter"/>
+          </p:nvPr>
+        </p:nvSpPr>
+        <p:spPr>
+          <a:xfrm>
+            <a:off x="0" y="0"/>
+            <a:ext cx="2971800" cy="458788"/>
+          </a:xfrm>
+          <a:prstGeom prst="rect">
+            <a:avLst/>
+          </a:prstGeom>
+        </p:spPr>
+        <p:txBody>
+          <a:bodyPr vert="horz" lIns="91440" tIns="45720" rIns="91440" bIns="45720" rtlCol="0"/>
+          <a:lstStyle>
+            <a:lvl1pPr algn="l">
+              <a:defRPr sz="1200"/>
+            </a:lvl1pPr>
+          </a:lstStyle>
+          <a:p>
+            <a:endParaRPr lang="en-US"/>
+          </a:p>
+        </p:txBody>
+      </p:sp>
+      <p:sp>
+        <p:nvSpPr>
+          <p:cNvPr id="3" name="Date Placeholder 2"/>
+          <p:cNvSpPr>
+            <a:spLocks noGrp="1"/>
+          </p:cNvSpPr>
+          <p:nvPr>
+            <p:ph type="dt" idx="1"/>
+          </p:nvPr>
+        </p:nvSpPr>
+        <p:spPr>
+          <a:xfrm>
+            <a:off x="3884613" y="0"/>
+            <a:ext cx="2971800" cy="458788"/>
+          </a:xfrm>
+          <a:prstGeom prst="rect">
+            <a:avLst/>
+          </a:prstGeom>
+        </p:spPr>
+        <p:txBody>
+          <a:bodyPr vert="horz" lIns="91440" tIns="45720" rIns="91440" bIns="45720" rtlCol="0"/>
+          <a:lstStyle>
+            <a:lvl1pPr algn="r">
+              <a:defRPr sz="1200"/>
+            </a:lvl1pPr>
+          </a:lstStyle>
+          <a:p>
+            <a:fld id="{8FE07F22-CEC4-46D3-8437-84DAA8A0507F}" type="datetimeFigureOut">
+              <a:rPr lang="en-US" smtClean="0"/>
+              <a:t>7/20/2018</a:t>
+            </a:fld>
+            <a:endParaRPr lang="en-US"/>
+          </a:p>
+        </p:txBody>
+      </p:sp>
+      <p:sp>
+        <p:nvSpPr>
+          <p:cNvPr id="4" name="Slide Image Placeholder 3"/>
+          <p:cNvSpPr>
+            <a:spLocks noGrp="1" noRot="1" noChangeAspect="1"/>
+          </p:cNvSpPr>
+          <p:nvPr>
+            <p:ph type="sldImg" idx="2"/>
+          </p:nvPr>
+        </p:nvSpPr>
+        <p:spPr>
+          <a:xfrm>
+            <a:off x="685800" y="1143000"/>
+            <a:ext cx="5486400" cy="3086100"/>
+          </a:xfrm>
+          <a:prstGeom prst="rect">
+            <a:avLst/>
+          </a:prstGeom>
+          <a:noFill/>
+          <a:ln w="12700">
+            <a:solidFill>
+              <a:prstClr val="black"/>
+            </a:solidFill>
+          </a:ln>
+        </p:spPr>
+        <p:txBody>
+          <a:bodyPr vert="horz" lIns="91440" tIns="45720" rIns="91440" bIns="45720" rtlCol="0" anchor="ctr"/>
+          <a:lstStyle/>
+          <a:p>
+            <a:endParaRPr lang="en-US"/>
+          </a:p>
+        </p:txBody>
+      </p:sp>
+      <p:sp>
+        <p:nvSpPr>
+          <p:cNvPr id="5" name="Notes Placeholder 4"/>
+          <p:cNvSpPr>
+            <a:spLocks noGrp="1"/>
+          </p:cNvSpPr>
+          <p:nvPr>
+            <p:ph type="body" sz="quarter" idx="3"/>
+          </p:nvPr>
+        </p:nvSpPr>
+        <p:spPr>
+          <a:xfrm>
+            <a:off x="685800" y="4400550"/>
+            <a:ext cx="5486400" cy="3600450"/>
+          </a:xfrm>
+          <a:prstGeom prst="rect">
+            <a:avLst/>
+          </a:prstGeom>
+        </p:spPr>
+        <p:txBody>
+          <a:bodyPr vert="horz" lIns="91440" tIns="45720" rIns="91440" bIns="45720" rtlCol="0"/>
+          <a:lstStyle/>
+          <a:p>
+            <a:pPr lvl="0"/>
+            <a:r>
+              <a:rPr lang="en-US" smtClean="0"/>
+              <a:t>Edit Master text styles</a:t>
+            </a:r>
+          </a:p>
+          <a:p>
+            <a:pPr lvl="1"/>
+            <a:r>
+              <a:rPr lang="en-US" smtClean="0"/>
+              <a:t>Second level</a:t>
+            </a:r>
+          </a:p>
+          <a:p>
+            <a:pPr lvl="2"/>
+            <a:r>
+              <a:rPr lang="en-US" smtClean="0"/>
+              <a:t>Third level</a:t>
+            </a:r>
+          </a:p>
+          <a:p>
+            <a:pPr lvl="3"/>
+            <a:r>
+              <a:rPr lang="en-US" smtClean="0"/>
+              <a:t>Fourth level</a:t>
+            </a:r>
+          </a:p>
+          <a:p>
+            <a:pPr lvl="4"/>
+            <a:r>
+              <a:rPr lang="en-US" smtClean="0"/>
+              <a:t>Fifth level</a:t>
+            </a:r>
+            <a:endParaRPr lang="en-US"/>
+          </a:p>
+        </p:txBody>
+      </p:sp>
+      <p:sp>
+        <p:nvSpPr>
+          <p:cNvPr id="6" name="Footer Placeholder 5"/>
+          <p:cNvSpPr>
+            <a:spLocks noGrp="1"/>
+          </p:cNvSpPr>
+          <p:nvPr>
+            <p:ph type="ftr" sz="quarter" idx="4"/>
+          </p:nvPr>
+        </p:nvSpPr>
+        <p:spPr>
+          <a:xfrm>
+            <a:off x="0" y="8685213"/>
+            <a:ext cx="2971800" cy="458787"/>
+          </a:xfrm>
+          <a:prstGeom prst="rect">
+            <a:avLst/>
+          </a:prstGeom>
+        </p:spPr>
+        <p:txBody>
+          <a:bodyPr vert="horz" lIns="91440" tIns="45720" rIns="91440" bIns="45720" rtlCol="0" anchor="b"/>
+          <a:lstStyle>
+            <a:lvl1pPr algn="l">
+              <a:defRPr sz="1200"/>
+            </a:lvl1pPr>
+          </a:lstStyle>
+          <a:p>
+            <a:endParaRPr lang="en-US"/>
+          </a:p>
+        </p:txBody>
+      </p:sp>
+      <p:sp>
+        <p:nvSpPr>
+          <p:cNvPr id="7" name="Slide Number Placeholder 6"/>
+          <p:cNvSpPr>
+            <a:spLocks noGrp="1"/>
+          </p:cNvSpPr>
+          <p:nvPr>
+            <p:ph type="sldNum" sz="quarter" idx="5"/>
+          </p:nvPr>
+        </p:nvSpPr>
+        <p:spPr>
+          <a:xfrm>
+            <a:off x="3884613" y="8685213"/>
+            <a:ext cx="2971800" cy="458787"/>
+          </a:xfrm>
+          <a:prstGeom prst="rect">
+            <a:avLst/>
+          </a:prstGeom>
+        </p:spPr>
+        <p:txBody>
+          <a:bodyPr vert="horz" lIns="91440" tIns="45720" rIns="91440" bIns="45720" rtlCol="0" anchor="b"/>
+          <a:lstStyle>
+            <a:lvl1pPr algn="r">
+              <a:defRPr sz="1200"/>
+            </a:lvl1pPr>
+          </a:lstStyle>
+          <a:p>
+            <a:fld id="{4A91EF82-D066-4434-AD39-7E51A3A3A5AE}" type="slidenum">
+              <a:rPr lang="en-US" smtClean="0"/>
+              <a:t>‹#›</a:t>
+            </a:fld>
+            <a:endParaRPr lang="en-US"/>
+          </a:p>
+        </p:txBody>
+      </p:sp>
+    </p:spTree>
+    <p:extLst>
+      <p:ext uri="{BB962C8B-B14F-4D97-AF65-F5344CB8AC3E}">
+        <p14:creationId xmlns:p14="http://schemas.microsoft.com/office/powerpoint/2010/main" val="1578033647"/>
+      </p:ext>
+    </p:extLst>
+  </p:cSld>
+  <p:clrMap bg1="lt1" tx1="dk1" bg2="lt2" tx2="dk2" accent1="accent1" accent2="accent2" accent3="accent3" accent4="accent4" accent5="accent5" accent6="accent6" hlink="hlink" folHlink="folHlink"/>
+  <p:notesStyle>
+    <a:lvl1pPr marL="0" algn="l" defTabSz="914400" rtl="0" eaLnBrk="1" latinLnBrk="0" hangingPunct="1">
+      <a:defRPr sz="1200" kern="1200">
+        <a:solidFill>
+          <a:schemeClr val="tx1"/>
+        </a:solidFill>
+        <a:latin typeface="+mn-lt"/>
+        <a:ea typeface="+mn-ea"/>
+        <a:cs typeface="+mn-cs"/>
+      </a:defRPr>
+    </a:lvl1pPr>
+    <a:lvl2pPr marL="457200" algn="l" defTabSz="914400" rtl="0" eaLnBrk="1" latinLnBrk="0" hangingPunct="1">
+      <a:defRPr sz="1200" kern="1200">
+        <a:solidFill>
+          <a:schemeClr val="tx1"/>
+        </a:solidFill>
+        <a:latin typeface="+mn-lt"/>
+        <a:ea typeface="+mn-ea"/>
+        <a:cs typeface="+mn-cs"/>
+      </a:defRPr>
+    </a:lvl2pPr>
+    <a:lvl3pPr marL="914400" algn="l" defTabSz="914400" rtl="0" eaLnBrk="1" latinLnBrk="0" hangingPunct="1">
+      <a:defRPr sz="1200" kern="1200">
+        <a:solidFill>
+          <a:schemeClr val="tx1"/>
+        </a:solidFill>
+        <a:latin typeface="+mn-lt"/>
+        <a:ea typeface="+mn-ea"/>
+        <a:cs typeface="+mn-cs"/>
+      </a:defRPr>
+    </a:lvl3pPr>
+    <a:lvl4pPr marL="1371600" algn="l" defTabSz="914400" rtl="0" eaLnBrk="1" latinLnBrk="0" hangingPunct="1">
+      <a:defRPr sz="1200" kern="1200">
+        <a:solidFill>
+          <a:schemeClr val="tx1"/>
+        </a:solidFill>
+        <a:latin typeface="+mn-lt"/>
+        <a:ea typeface="+mn-ea"/>
+        <a:cs typeface="+mn-cs"/>
+      </a:defRPr>
+    </a:lvl4pPr>
+    <a:lvl5pPr marL="1828800" algn="l" defTabSz="914400" rtl="0" eaLnBrk="1" latinLnBrk="0" hangingPunct="1">
+      <a:defRPr sz="1200" kern="1200">
+        <a:solidFill>
+          <a:schemeClr val="tx1"/>
+        </a:solidFill>
+        <a:latin typeface="+mn-lt"/>
+        <a:ea typeface="+mn-ea"/>
+        <a:cs typeface="+mn-cs"/>
+      </a:defRPr>
+    </a:lvl5pPr>
+    <a:lvl6pPr marL="2286000" algn="l" defTabSz="914400" rtl="0" eaLnBrk="1" latinLnBrk="0" hangingPunct="1">
+      <a:defRPr sz="1200" kern="1200">
+        <a:solidFill>
+          <a:schemeClr val="tx1"/>
+        </a:solidFill>
+        <a:latin typeface="+mn-lt"/>
+        <a:ea typeface="+mn-ea"/>
+        <a:cs typeface="+mn-cs"/>
+      </a:defRPr>
+    </a:lvl6pPr>
+    <a:lvl7pPr marL="2743200" algn="l" defTabSz="914400" rtl="0" eaLnBrk="1" latinLnBrk="0" hangingPunct="1">
+      <a:defRPr sz="1200" kern="1200">
+        <a:solidFill>
+          <a:schemeClr val="tx1"/>
+        </a:solidFill>
+        <a:latin typeface="+mn-lt"/>
+        <a:ea typeface="+mn-ea"/>
+        <a:cs typeface="+mn-cs"/>
+      </a:defRPr>
+    </a:lvl7pPr>
+    <a:lvl8pPr marL="3200400" algn="l" defTabSz="914400" rtl="0" eaLnBrk="1" latinLnBrk="0" hangingPunct="1">
+      <a:defRPr sz="1200" kern="1200">
+        <a:solidFill>
+          <a:schemeClr val="tx1"/>
+        </a:solidFill>
+        <a:latin typeface="+mn-lt"/>
+        <a:ea typeface="+mn-ea"/>
+        <a:cs typeface="+mn-cs"/>
+      </a:defRPr>
+    </a:lvl8pPr>
+    <a:lvl9pPr marL="3657600" algn="l" defTabSz="914400" rtl="0" eaLnBrk="1" latinLnBrk="0" hangingPunct="1">
+      <a:defRPr sz="1200" kern="1200">
+        <a:solidFill>
+          <a:schemeClr val="tx1"/>
+        </a:solidFill>
+        <a:latin typeface="+mn-lt"/>
+        <a:ea typeface="+mn-ea"/>
+        <a:cs typeface="+mn-cs"/>
+      </a:defRPr>
+    </a:lvl9pPr>
+  </p:notesStyle>
+</p:notesMaster>
 </file>
 
 <file path=ppt/slideLayouts/slideLayout1.xml><?xml version="1.0" encoding="utf-8"?>
@@ -4398,6 +4756,7 @@
     <p:sldLayoutId id="2147483711" r:id="rId16"/>
     <p:sldLayoutId id="2147483712" r:id="rId17"/>
   </p:sldLayoutIdLst>
+  <p:hf sldNum="0" hdr="0"/>
   <p:txStyles>
     <p:titleStyle>
       <a:lvl1pPr algn="l" defTabSz="457200" rtl="0" eaLnBrk="1" latinLnBrk="0" hangingPunct="1">
@@ -4678,23 +5037,20 @@
             <p:ph type="body" sz="quarter" idx="13"/>
           </p:nvPr>
         </p:nvSpPr>
-        <p:spPr/>
+        <p:spPr>
+          <a:xfrm>
+            <a:off x="419100" y="1941547"/>
+            <a:ext cx="8284633" cy="429229"/>
+          </a:xfrm>
+        </p:spPr>
         <p:txBody>
           <a:bodyPr/>
           <a:lstStyle/>
           <a:p>
-            <a:r>
-              <a:rPr lang="en-US" dirty="0" smtClean="0"/>
-              <a:t>July 22</a:t>
-            </a:r>
-            <a:r>
-              <a:rPr lang="en-US" baseline="30000" dirty="0" smtClean="0"/>
-              <a:t>nd</a:t>
-            </a:r>
-            <a:r>
-              <a:rPr lang="en-US" dirty="0" smtClean="0"/>
-              <a:t> 2018</a:t>
-            </a:r>
+            <a:fld id="{5274EAF5-F5E3-40D1-973E-CBB3F7833ADE}" type="datetime2">
+              <a:rPr lang="en-US" smtClean="0"/>
+              <a:t>Friday, July 20, 2018</a:t>
+            </a:fld>
             <a:endParaRPr lang="en-US" dirty="0"/>
           </a:p>
         </p:txBody>
@@ -4711,8 +5067,8 @@
         </p:nvSpPr>
         <p:spPr>
           <a:xfrm>
-            <a:off x="419100" y="2558810"/>
-            <a:ext cx="8284633" cy="1175706"/>
+            <a:off x="419100" y="2293567"/>
+            <a:ext cx="8284633" cy="519435"/>
           </a:xfrm>
         </p:spPr>
         <p:txBody>
@@ -4739,7 +5095,12 @@
             <p:ph type="body" sz="quarter" idx="15"/>
           </p:nvPr>
         </p:nvSpPr>
-        <p:spPr/>
+        <p:spPr>
+          <a:xfrm>
+            <a:off x="419100" y="3323448"/>
+            <a:ext cx="8284633" cy="446088"/>
+          </a:xfrm>
+        </p:spPr>
         <p:txBody>
           <a:bodyPr>
             <a:normAutofit fontScale="62500" lnSpcReduction="20000"/>
@@ -4748,23 +5109,77 @@
           <a:p>
             <a:r>
               <a:rPr lang="en-US" dirty="0" smtClean="0"/>
-              <a:t>Devaki	</a:t>
+              <a:t>Devaki	Sundaramurthy	Chandrakala </a:t>
             </a:r>
             <a:r>
               <a:rPr lang="en-US" dirty="0" err="1" smtClean="0"/>
-              <a:t>Sundara</a:t>
-            </a:r>
+              <a:t>Revensiddappa</a:t>
+            </a:r>
+            <a:endParaRPr lang="en-US" dirty="0" smtClean="0"/>
+          </a:p>
+          <a:p>
             <a:r>
               <a:rPr lang="en-US" dirty="0" smtClean="0"/>
-              <a:t>	Chandrakala</a:t>
-            </a:r>
-          </a:p>
-          <a:p>
+              <a:t>Sini </a:t>
+            </a:r>
+            <a:r>
+              <a:rPr lang="en-US" dirty="0" err="1" smtClean="0"/>
+              <a:t>Cherukud</a:t>
+            </a:r>
             <a:r>
               <a:rPr lang="en-US" dirty="0" smtClean="0"/>
-              <a:t>Sini Menon		Mohanraj Kanagaraj</a:t>
+              <a:t> Manayil	Mohanraj Kanagaraj</a:t>
             </a:r>
             <a:endParaRPr lang="en-US" dirty="0"/>
+          </a:p>
+        </p:txBody>
+      </p:sp>
+      <p:sp>
+        <p:nvSpPr>
+          <p:cNvPr id="5" name="TextBox 4"/>
+          <p:cNvSpPr txBox="1"/>
+          <p:nvPr/>
+        </p:nvSpPr>
+        <p:spPr>
+          <a:xfrm>
+            <a:off x="3664581" y="2799042"/>
+            <a:ext cx="4278834" cy="646331"/>
+          </a:xfrm>
+          <a:prstGeom prst="rect">
+            <a:avLst/>
+          </a:prstGeom>
+          <a:noFill/>
+        </p:spPr>
+        <p:txBody>
+          <a:bodyPr wrap="square" rtlCol="0">
+            <a:spAutoFit/>
+          </a:bodyPr>
+          <a:lstStyle/>
+          <a:p>
+            <a:pPr algn="r"/>
+            <a:r>
+              <a:rPr lang="en-US" dirty="0" smtClean="0">
+                <a:solidFill>
+                  <a:schemeClr val="accent6"/>
+                </a:solidFill>
+              </a:rPr>
+              <a:t>- </a:t>
+            </a:r>
+            <a:r>
+              <a:rPr lang="en-US" dirty="0">
+                <a:solidFill>
+                  <a:schemeClr val="accent6"/>
+                </a:solidFill>
+              </a:rPr>
+              <a:t>powered by Apache Kafka &amp; MongoDB</a:t>
+            </a:r>
+          </a:p>
+          <a:p>
+            <a:endParaRPr lang="en-US" dirty="0" err="1" smtClean="0">
+              <a:solidFill>
+                <a:schemeClr val="tx2"/>
+              </a:solidFill>
+            </a:endParaRPr>
           </a:p>
         </p:txBody>
       </p:sp>
@@ -4814,7 +5229,7 @@
         <p:spPr>
           <a:xfrm>
             <a:off x="509550" y="950954"/>
-            <a:ext cx="3608739" cy="1303635"/>
+            <a:ext cx="3929827" cy="1303635"/>
           </a:xfrm>
           <a:prstGeom prst="round2DiagRect">
             <a:avLst/>
@@ -4847,156 +5262,126 @@
           <a:lstStyle/>
           <a:p>
             <a:r>
-              <a:rPr lang="en-US" sz="1100" dirty="0">
-                <a:solidFill>
-                  <a:schemeClr val="tx2"/>
-                </a:solidFill>
-              </a:rPr>
-              <a:t>Name	:</a:t>
-            </a:r>
-            <a:r>
-              <a:rPr lang="en-US" sz="1400" dirty="0">
-                <a:solidFill>
-                  <a:schemeClr val="tx2"/>
-                </a:solidFill>
-              </a:rPr>
-              <a:t> </a:t>
-            </a:r>
-            <a:r>
-              <a:rPr lang="en-US" sz="1200" dirty="0">
-                <a:solidFill>
-                  <a:schemeClr val="tx2"/>
-                </a:solidFill>
-              </a:rPr>
-              <a:t>Mohanraj Kanagaraj</a:t>
-            </a:r>
-          </a:p>
-          <a:p>
-            <a:r>
-              <a:rPr lang="en-US" sz="1100" dirty="0" err="1">
-                <a:solidFill>
-                  <a:schemeClr val="tx2"/>
-                </a:solidFill>
-              </a:rPr>
-              <a:t>Emp</a:t>
-            </a:r>
-            <a:r>
-              <a:rPr lang="en-US" sz="1100" dirty="0">
-                <a:solidFill>
-                  <a:schemeClr val="tx2"/>
-                </a:solidFill>
-              </a:rPr>
-              <a:t> id:</a:t>
-            </a:r>
-            <a:r>
-              <a:rPr lang="en-US" sz="1200" dirty="0">
-                <a:solidFill>
-                  <a:schemeClr val="tx2"/>
-                </a:solidFill>
-              </a:rPr>
-              <a:t> 165071</a:t>
-            </a:r>
-          </a:p>
-          <a:p>
-            <a:r>
-              <a:rPr lang="en-US" sz="1100" dirty="0">
-                <a:solidFill>
-                  <a:schemeClr val="tx2"/>
-                </a:solidFill>
-              </a:rPr>
-              <a:t>Project:</a:t>
-            </a:r>
-            <a:r>
-              <a:rPr lang="en-US" sz="1200" dirty="0">
-                <a:solidFill>
-                  <a:schemeClr val="tx2"/>
-                </a:solidFill>
-              </a:rPr>
-              <a:t> Service Provider Interfaces </a:t>
-            </a:r>
-          </a:p>
-          <a:p>
-            <a:r>
-              <a:rPr lang="en-US" sz="1200" dirty="0" smtClean="0">
-                <a:solidFill>
-                  <a:schemeClr val="tx2"/>
-                </a:solidFill>
-              </a:rPr>
-              <a:t>	  Design </a:t>
-            </a:r>
-            <a:r>
-              <a:rPr lang="en-US" sz="1200" dirty="0">
-                <a:solidFill>
-                  <a:schemeClr val="tx2"/>
-                </a:solidFill>
-              </a:rPr>
-              <a:t>&amp; Development</a:t>
-            </a:r>
-          </a:p>
-          <a:p>
-            <a:r>
-              <a:rPr lang="en-US" sz="1100" dirty="0">
-                <a:solidFill>
-                  <a:schemeClr val="tx2"/>
-                </a:solidFill>
-              </a:rPr>
-              <a:t>Account:</a:t>
-            </a:r>
-            <a:r>
-              <a:rPr lang="en-US" sz="1200" dirty="0">
-                <a:solidFill>
-                  <a:schemeClr val="tx2"/>
-                </a:solidFill>
-              </a:rPr>
-              <a:t> Metropolitan Life Insurance </a:t>
-            </a:r>
-          </a:p>
-          <a:p>
-            <a:r>
-              <a:rPr lang="en-US" sz="1100" dirty="0">
-                <a:solidFill>
-                  <a:schemeClr val="tx2"/>
-                </a:solidFill>
-              </a:rPr>
-              <a:t>Technology:</a:t>
-            </a:r>
-            <a:r>
-              <a:rPr lang="en-US" sz="1200" dirty="0">
-                <a:solidFill>
-                  <a:schemeClr val="tx2"/>
-                </a:solidFill>
-              </a:rPr>
-              <a:t> </a:t>
-            </a:r>
-            <a:r>
-              <a:rPr lang="en-US" sz="1200" dirty="0" err="1">
-                <a:solidFill>
-                  <a:schemeClr val="tx2"/>
-                </a:solidFill>
-              </a:rPr>
-              <a:t>Microservices</a:t>
-            </a:r>
-            <a:r>
-              <a:rPr lang="en-US" sz="1200" dirty="0">
-                <a:solidFill>
-                  <a:schemeClr val="tx2"/>
-                </a:solidFill>
-              </a:rPr>
-              <a:t>, JAVA, </a:t>
-            </a:r>
-            <a:r>
-              <a:rPr lang="en-US" sz="1200" dirty="0" smtClean="0">
-                <a:solidFill>
-                  <a:schemeClr val="tx2"/>
-                </a:solidFill>
-              </a:rPr>
-              <a:t>Python</a:t>
-            </a:r>
-            <a:endParaRPr lang="en-US" sz="1200" dirty="0">
+              <a:rPr lang="en-US" sz="1100" dirty="0" smtClean="0">
+                <a:solidFill>
+                  <a:schemeClr val="tx2"/>
+                </a:solidFill>
+              </a:rPr>
+              <a:t>Name		: Devaki Sundaramurthy</a:t>
+            </a:r>
+            <a:endParaRPr lang="en-US" sz="1100" dirty="0">
               <a:solidFill>
                 <a:schemeClr val="tx2"/>
               </a:solidFill>
             </a:endParaRPr>
+          </a:p>
+          <a:p>
+            <a:r>
+              <a:rPr lang="en-US" sz="1100" dirty="0" err="1">
+                <a:solidFill>
+                  <a:schemeClr val="tx2"/>
+                </a:solidFill>
+              </a:rPr>
+              <a:t>Emp</a:t>
+            </a:r>
+            <a:r>
+              <a:rPr lang="en-US" sz="1100" dirty="0">
+                <a:solidFill>
+                  <a:schemeClr val="tx2"/>
+                </a:solidFill>
+              </a:rPr>
+              <a:t> </a:t>
+            </a:r>
+            <a:r>
+              <a:rPr lang="en-US" sz="1100" dirty="0" smtClean="0">
+                <a:solidFill>
+                  <a:schemeClr val="tx2"/>
+                </a:solidFill>
+              </a:rPr>
+              <a:t>id		: </a:t>
+            </a:r>
+            <a:r>
+              <a:rPr lang="en-US" sz="1100" dirty="0">
+                <a:solidFill>
+                  <a:schemeClr val="tx2"/>
+                </a:solidFill>
+              </a:rPr>
+              <a:t>190017</a:t>
+            </a:r>
+          </a:p>
+          <a:p>
+            <a:r>
+              <a:rPr lang="en-US" sz="1100" dirty="0" smtClean="0">
+                <a:solidFill>
+                  <a:schemeClr val="tx2"/>
+                </a:solidFill>
+              </a:rPr>
+              <a:t>Project		:</a:t>
+            </a:r>
+            <a:endParaRPr lang="en-US" sz="1100" dirty="0">
+              <a:solidFill>
+                <a:schemeClr val="tx2"/>
+              </a:solidFill>
+            </a:endParaRPr>
+          </a:p>
+          <a:p>
+            <a:r>
+              <a:rPr lang="en-US" sz="1100" dirty="0" smtClean="0">
+                <a:solidFill>
+                  <a:schemeClr val="tx2"/>
+                </a:solidFill>
+              </a:rPr>
+              <a:t>Account	: Walmart</a:t>
+            </a:r>
+            <a:endParaRPr lang="en-US" sz="1100" dirty="0">
+              <a:solidFill>
+                <a:schemeClr val="tx2"/>
+              </a:solidFill>
+            </a:endParaRPr>
+          </a:p>
+          <a:p>
+            <a:r>
+              <a:rPr lang="en-US" sz="1100" dirty="0" smtClean="0">
+                <a:solidFill>
+                  <a:schemeClr val="tx2"/>
+                </a:solidFill>
+              </a:rPr>
+              <a:t>Technology	:</a:t>
+            </a:r>
+          </a:p>
+          <a:p>
+            <a:r>
+              <a:rPr lang="en-US" sz="1100" dirty="0" smtClean="0">
+                <a:solidFill>
+                  <a:schemeClr val="tx2"/>
+                </a:solidFill>
+              </a:rPr>
+              <a:t>Location	: </a:t>
+            </a:r>
+            <a:r>
+              <a:rPr lang="en-US" sz="1100" dirty="0">
+                <a:solidFill>
+                  <a:schemeClr val="tx2"/>
+                </a:solidFill>
+              </a:rPr>
+              <a:t>Bentonville </a:t>
+            </a:r>
+            <a:r>
+              <a:rPr lang="en-US" sz="1100" dirty="0" smtClean="0">
+                <a:solidFill>
+                  <a:schemeClr val="tx2"/>
+                </a:solidFill>
+              </a:rPr>
+              <a:t>– AR, </a:t>
+            </a:r>
+            <a:r>
+              <a:rPr lang="en-US" sz="1100" dirty="0">
+                <a:solidFill>
+                  <a:schemeClr val="tx2"/>
+                </a:solidFill>
+              </a:rPr>
+              <a:t>USA</a:t>
+            </a:r>
           </a:p>
         </p:txBody>
       </p:sp>
@@ -5043,7 +5428,7 @@
         </p:blipFill>
         <p:spPr>
           <a:xfrm>
-            <a:off x="3235015" y="956099"/>
+            <a:off x="3556101" y="956099"/>
             <a:ext cx="869315" cy="722630"/>
           </a:xfrm>
           <a:prstGeom prst="rect">
@@ -5060,7 +5445,7 @@
         <p:spPr>
           <a:xfrm>
             <a:off x="4718582" y="950954"/>
-            <a:ext cx="3608739" cy="1303635"/>
+            <a:ext cx="3929827" cy="1303635"/>
           </a:xfrm>
           <a:prstGeom prst="round2DiagRect">
             <a:avLst/>
@@ -5093,38 +5478,51 @@
           <a:lstStyle/>
           <a:p>
             <a:r>
+              <a:rPr lang="en-US" sz="1100" dirty="0" smtClean="0">
+                <a:solidFill>
+                  <a:schemeClr val="tx2"/>
+                </a:solidFill>
+              </a:rPr>
+              <a:t>Name		: Chandrakala </a:t>
+            </a:r>
+            <a:r>
+              <a:rPr lang="en-US" sz="1100" dirty="0" err="1" smtClean="0">
+                <a:solidFill>
+                  <a:schemeClr val="tx2"/>
+                </a:solidFill>
+              </a:rPr>
+              <a:t>Revensiddappa</a:t>
+            </a:r>
+            <a:endParaRPr lang="en-US" sz="1100" dirty="0">
+              <a:solidFill>
+                <a:schemeClr val="tx2"/>
+              </a:solidFill>
+            </a:endParaRPr>
+          </a:p>
+          <a:p>
+            <a:r>
+              <a:rPr lang="en-US" sz="1100" dirty="0" err="1">
+                <a:solidFill>
+                  <a:schemeClr val="tx2"/>
+                </a:solidFill>
+              </a:rPr>
+              <a:t>Emp</a:t>
+            </a:r>
+            <a:r>
               <a:rPr lang="en-US" sz="1100" dirty="0">
                 <a:solidFill>
                   <a:schemeClr val="tx2"/>
                 </a:solidFill>
               </a:rPr>
-              <a:t>Name	:</a:t>
-            </a:r>
-            <a:r>
-              <a:rPr lang="en-US" sz="1400" dirty="0">
-                <a:solidFill>
-                  <a:schemeClr val="tx2"/>
-                </a:solidFill>
-              </a:rPr>
               <a:t> </a:t>
             </a:r>
             <a:r>
-              <a:rPr lang="en-US" sz="1200" dirty="0">
-                <a:solidFill>
-                  <a:schemeClr val="tx2"/>
-                </a:solidFill>
-              </a:rPr>
-              <a:t>Mohanraj Kanagaraj</a:t>
-            </a:r>
-          </a:p>
-          <a:p>
-            <a:r>
-              <a:rPr lang="en-US" sz="1100" dirty="0" err="1">
-                <a:solidFill>
-                  <a:schemeClr val="tx2"/>
-                </a:solidFill>
-              </a:rPr>
-              <a:t>Emp</a:t>
+              <a:rPr lang="en-US" sz="1100" dirty="0" smtClean="0">
+                <a:solidFill>
+                  <a:schemeClr val="tx2"/>
+                </a:solidFill>
+              </a:rPr>
+              <a:t>id		: </a:t>
             </a:r>
             <a:r>
               <a:rPr lang="en-US" sz="1100" dirty="0">
@@ -5132,113 +5530,57 @@
                   <a:schemeClr val="tx2"/>
                 </a:solidFill>
               </a:rPr>
-              <a:t> id:</a:t>
-            </a:r>
-            <a:r>
-              <a:rPr lang="en-US" sz="1200" dirty="0">
-                <a:solidFill>
-                  <a:schemeClr val="tx2"/>
-                </a:solidFill>
-              </a:rPr>
-              <a:t> 165071</a:t>
-            </a:r>
-          </a:p>
-          <a:p>
+              <a:t>176502</a:t>
+            </a:r>
+          </a:p>
+          <a:p>
+            <a:r>
+              <a:rPr lang="en-US" sz="1100" dirty="0" smtClean="0">
+                <a:solidFill>
+                  <a:schemeClr val="tx2"/>
+                </a:solidFill>
+              </a:rPr>
+              <a:t>Project		: </a:t>
+            </a:r>
+          </a:p>
+          <a:p>
+            <a:r>
+              <a:rPr lang="en-US" sz="1100" dirty="0" smtClean="0">
+                <a:solidFill>
+                  <a:schemeClr val="tx2"/>
+                </a:solidFill>
+              </a:rPr>
+              <a:t>Account	: </a:t>
+            </a:r>
             <a:r>
               <a:rPr lang="en-US" sz="1100" dirty="0">
                 <a:solidFill>
                   <a:schemeClr val="tx2"/>
                 </a:solidFill>
               </a:rPr>
-              <a:t>Project:</a:t>
-            </a:r>
-            <a:r>
-              <a:rPr lang="en-US" sz="1200" dirty="0">
-                <a:solidFill>
-                  <a:schemeClr val="tx2"/>
-                </a:solidFill>
-              </a:rPr>
-              <a:t> Service Provider Interfaces </a:t>
-            </a:r>
-          </a:p>
-          <a:p>
-            <a:r>
-              <a:rPr lang="en-US" sz="1200" dirty="0" smtClean="0">
-                <a:solidFill>
-                  <a:schemeClr val="tx2"/>
-                </a:solidFill>
-              </a:rPr>
-              <a:t>	  Design </a:t>
-            </a:r>
-            <a:r>
-              <a:rPr lang="en-US" sz="1200" dirty="0">
-                <a:solidFill>
-                  <a:schemeClr val="tx2"/>
-                </a:solidFill>
-              </a:rPr>
-              <a:t>&amp; Development</a:t>
-            </a:r>
-          </a:p>
-          <a:p>
-            <a:r>
-              <a:rPr lang="en-US" sz="1100" dirty="0">
-                <a:solidFill>
-                  <a:schemeClr val="tx2"/>
-                </a:solidFill>
-              </a:rPr>
-              <a:t>Account:</a:t>
-            </a:r>
-            <a:r>
-              <a:rPr lang="en-US" sz="1200" dirty="0">
-                <a:solidFill>
-                  <a:schemeClr val="tx2"/>
-                </a:solidFill>
-              </a:rPr>
-              <a:t> Metropolitan Life Insurance </a:t>
-            </a:r>
-          </a:p>
-          <a:p>
-            <a:r>
-              <a:rPr lang="en-US" sz="1100" dirty="0">
-                <a:solidFill>
-                  <a:schemeClr val="tx2"/>
-                </a:solidFill>
-              </a:rPr>
-              <a:t>Technology:</a:t>
-            </a:r>
-            <a:r>
-              <a:rPr lang="en-US" sz="1200" dirty="0">
-                <a:solidFill>
-                  <a:schemeClr val="tx2"/>
-                </a:solidFill>
-              </a:rPr>
-              <a:t> </a:t>
-            </a:r>
-            <a:r>
-              <a:rPr lang="en-US" sz="1200" dirty="0" err="1">
-                <a:solidFill>
-                  <a:schemeClr val="tx2"/>
-                </a:solidFill>
-              </a:rPr>
-              <a:t>Microservices</a:t>
-            </a:r>
-            <a:r>
-              <a:rPr lang="en-US" sz="1200" dirty="0">
-                <a:solidFill>
-                  <a:schemeClr val="tx2"/>
-                </a:solidFill>
-              </a:rPr>
-              <a:t>, JAVA, </a:t>
-            </a:r>
-            <a:r>
-              <a:rPr lang="en-US" sz="1200" dirty="0" smtClean="0">
-                <a:solidFill>
-                  <a:schemeClr val="tx2"/>
-                </a:solidFill>
-              </a:rPr>
-              <a:t>Python</a:t>
-            </a:r>
-            <a:endParaRPr lang="en-US" sz="1200" dirty="0">
+              <a:t>Metropolitan Life Insurance </a:t>
+            </a:r>
+          </a:p>
+          <a:p>
+            <a:r>
+              <a:rPr lang="en-US" sz="1100" dirty="0" smtClean="0">
+                <a:solidFill>
+                  <a:schemeClr val="tx2"/>
+                </a:solidFill>
+              </a:rPr>
+              <a:t>Technology	:</a:t>
+            </a:r>
+          </a:p>
+          <a:p>
+            <a:r>
+              <a:rPr lang="en-US" sz="1100" dirty="0" smtClean="0">
+                <a:solidFill>
+                  <a:schemeClr val="tx2"/>
+                </a:solidFill>
+              </a:rPr>
+              <a:t>Location	: Bangalore, India</a:t>
+            </a:r>
+            <a:endParaRPr lang="en-US" sz="1100" dirty="0">
               <a:solidFill>
                 <a:schemeClr val="tx2"/>
               </a:solidFill>
@@ -5266,7 +5608,7 @@
         </p:blipFill>
         <p:spPr>
           <a:xfrm>
-            <a:off x="7444047" y="956099"/>
+            <a:off x="7765133" y="956102"/>
             <a:ext cx="869315" cy="722630"/>
           </a:xfrm>
           <a:prstGeom prst="rect">
@@ -5283,7 +5625,7 @@
         <p:spPr>
           <a:xfrm>
             <a:off x="509550" y="2682032"/>
-            <a:ext cx="3608739" cy="1303635"/>
+            <a:ext cx="3929827" cy="1303635"/>
           </a:xfrm>
           <a:prstGeom prst="round2DiagRect">
             <a:avLst/>
@@ -5321,10 +5663,33 @@
                   <a:schemeClr val="tx2"/>
                 </a:solidFill>
               </a:rPr>
-              <a:t>Name	:</a:t>
-            </a:r>
-            <a:r>
-              <a:rPr lang="en-US" sz="1400" dirty="0">
+              <a:t>Name	</a:t>
+            </a:r>
+            <a:r>
+              <a:rPr lang="en-US" sz="1100" dirty="0" smtClean="0">
+                <a:solidFill>
+                  <a:schemeClr val="tx2"/>
+                </a:solidFill>
+              </a:rPr>
+              <a:t>	: Sini Cherukad Manayil</a:t>
+            </a:r>
+            <a:endParaRPr lang="en-US" sz="1100" dirty="0">
+              <a:solidFill>
+                <a:schemeClr val="tx2"/>
+              </a:solidFill>
+            </a:endParaRPr>
+          </a:p>
+          <a:p>
+            <a:r>
+              <a:rPr lang="en-US" sz="1100" dirty="0" err="1">
+                <a:solidFill>
+                  <a:schemeClr val="tx2"/>
+                </a:solidFill>
+              </a:rPr>
+              <a:t>Emp</a:t>
+            </a:r>
+            <a:r>
+              <a:rPr lang="en-US" sz="1100" dirty="0">
                 <a:solidFill>
                   <a:schemeClr val="tx2"/>
                 </a:solidFill>
@@ -5332,22 +5697,12 @@
               <a:t> </a:t>
             </a:r>
             <a:r>
-              <a:rPr lang="en-US" sz="1200" dirty="0">
-                <a:solidFill>
-                  <a:schemeClr val="tx2"/>
-                </a:solidFill>
-              </a:rPr>
-              <a:t>Mohanraj Kanagaraj</a:t>
-            </a:r>
-          </a:p>
-          <a:p>
-            <a:r>
-              <a:rPr lang="en-US" sz="1100" dirty="0" err="1">
-                <a:solidFill>
-                  <a:schemeClr val="tx2"/>
-                </a:solidFill>
-              </a:rPr>
-              <a:t>Emp</a:t>
+              <a:rPr lang="en-US" sz="1100" dirty="0" smtClean="0">
+                <a:solidFill>
+                  <a:schemeClr val="tx2"/>
+                </a:solidFill>
+              </a:rPr>
+              <a:t>id		: </a:t>
             </a:r>
             <a:r>
               <a:rPr lang="en-US" sz="1100" dirty="0">
@@ -5355,113 +5710,59 @@
                   <a:schemeClr val="tx2"/>
                 </a:solidFill>
               </a:rPr>
-              <a:t> id:</a:t>
-            </a:r>
-            <a:r>
-              <a:rPr lang="en-US" sz="1200" dirty="0">
-                <a:solidFill>
-                  <a:schemeClr val="tx2"/>
-                </a:solidFill>
-              </a:rPr>
-              <a:t> 165071</a:t>
-            </a:r>
-          </a:p>
-          <a:p>
-            <a:r>
-              <a:rPr lang="en-US" sz="1100" dirty="0">
-                <a:solidFill>
-                  <a:schemeClr val="tx2"/>
-                </a:solidFill>
-              </a:rPr>
-              <a:t>Project:</a:t>
-            </a:r>
-            <a:r>
-              <a:rPr lang="en-US" sz="1200" dirty="0">
-                <a:solidFill>
-                  <a:schemeClr val="tx2"/>
-                </a:solidFill>
-              </a:rPr>
-              <a:t> Service Provider Interfaces </a:t>
-            </a:r>
-          </a:p>
-          <a:p>
-            <a:r>
-              <a:rPr lang="en-US" sz="1200" dirty="0" smtClean="0">
-                <a:solidFill>
-                  <a:schemeClr val="tx2"/>
-                </a:solidFill>
-              </a:rPr>
-              <a:t>	  Design </a:t>
-            </a:r>
-            <a:r>
-              <a:rPr lang="en-US" sz="1200" dirty="0">
-                <a:solidFill>
-                  <a:schemeClr val="tx2"/>
-                </a:solidFill>
-              </a:rPr>
-              <a:t>&amp; Development</a:t>
-            </a:r>
-          </a:p>
-          <a:p>
-            <a:r>
-              <a:rPr lang="en-US" sz="1100" dirty="0">
-                <a:solidFill>
-                  <a:schemeClr val="tx2"/>
-                </a:solidFill>
-              </a:rPr>
-              <a:t>Account:</a:t>
-            </a:r>
-            <a:r>
-              <a:rPr lang="en-US" sz="1200" dirty="0">
-                <a:solidFill>
-                  <a:schemeClr val="tx2"/>
-                </a:solidFill>
-              </a:rPr>
-              <a:t> Metropolitan Life Insurance </a:t>
-            </a:r>
-          </a:p>
-          <a:p>
-            <a:r>
-              <a:rPr lang="en-US" sz="1100" dirty="0">
-                <a:solidFill>
-                  <a:schemeClr val="tx2"/>
-                </a:solidFill>
-              </a:rPr>
-              <a:t>Technology:</a:t>
-            </a:r>
-            <a:r>
-              <a:rPr lang="en-US" sz="1200" dirty="0">
-                <a:solidFill>
-                  <a:schemeClr val="tx2"/>
-                </a:solidFill>
-              </a:rPr>
-              <a:t> </a:t>
-            </a:r>
-            <a:r>
-              <a:rPr lang="en-US" sz="1200" dirty="0" err="1">
-                <a:solidFill>
-                  <a:schemeClr val="tx2"/>
-                </a:solidFill>
-              </a:rPr>
-              <a:t>Microservices</a:t>
-            </a:r>
-            <a:r>
-              <a:rPr lang="en-US" sz="1200" dirty="0">
-                <a:solidFill>
-                  <a:schemeClr val="tx2"/>
-                </a:solidFill>
-              </a:rPr>
-              <a:t>, JAVA, </a:t>
-            </a:r>
-            <a:r>
-              <a:rPr lang="en-US" sz="1200" dirty="0" smtClean="0">
-                <a:solidFill>
-                  <a:schemeClr val="tx2"/>
-                </a:solidFill>
-              </a:rPr>
-              <a:t>Python</a:t>
-            </a:r>
-            <a:endParaRPr lang="en-US" sz="1200" dirty="0">
+              <a:t>440590</a:t>
+            </a:r>
+          </a:p>
+          <a:p>
+            <a:r>
+              <a:rPr lang="en-US" sz="1100" dirty="0" smtClean="0">
+                <a:solidFill>
+                  <a:schemeClr val="tx2"/>
+                </a:solidFill>
+              </a:rPr>
+              <a:t>Project		:</a:t>
+            </a:r>
+            <a:endParaRPr lang="en-US" sz="1100" dirty="0">
+              <a:solidFill>
+                <a:schemeClr val="tx2"/>
+              </a:solidFill>
+            </a:endParaRPr>
+          </a:p>
+          <a:p>
+            <a:r>
+              <a:rPr lang="en-US" sz="1100" dirty="0" smtClean="0">
+                <a:solidFill>
+                  <a:schemeClr val="tx2"/>
+                </a:solidFill>
+              </a:rPr>
+              <a:t>Account	: Lego </a:t>
+            </a:r>
+            <a:endParaRPr lang="en-US" sz="1100" dirty="0">
+              <a:solidFill>
+                <a:schemeClr val="tx2"/>
+              </a:solidFill>
+            </a:endParaRPr>
+          </a:p>
+          <a:p>
+            <a:r>
+              <a:rPr lang="en-US" sz="1100" dirty="0" smtClean="0">
+                <a:solidFill>
+                  <a:schemeClr val="tx2"/>
+                </a:solidFill>
+              </a:rPr>
+              <a:t>Technology	:</a:t>
+            </a:r>
+          </a:p>
+          <a:p>
+            <a:r>
+              <a:rPr lang="en-US" sz="1100" dirty="0" smtClean="0">
+                <a:solidFill>
+                  <a:schemeClr val="tx2"/>
+                </a:solidFill>
+              </a:rPr>
+              <a:t>Location	: Bangalore, India</a:t>
+            </a:r>
+            <a:endParaRPr lang="en-US" sz="1100" dirty="0">
               <a:solidFill>
                 <a:schemeClr val="tx2"/>
               </a:solidFill>
@@ -5489,7 +5790,7 @@
         </p:blipFill>
         <p:spPr>
           <a:xfrm>
-            <a:off x="3235015" y="2687177"/>
+            <a:off x="3556102" y="2694157"/>
             <a:ext cx="869315" cy="722630"/>
           </a:xfrm>
           <a:prstGeom prst="rect">
@@ -5506,7 +5807,7 @@
         <p:spPr>
           <a:xfrm>
             <a:off x="4704623" y="2682032"/>
-            <a:ext cx="3608739" cy="1303635"/>
+            <a:ext cx="3929827" cy="1303635"/>
           </a:xfrm>
           <a:prstGeom prst="round2DiagRect">
             <a:avLst/>
@@ -5544,10 +5845,36 @@
                   <a:schemeClr val="tx2"/>
                 </a:solidFill>
               </a:rPr>
-              <a:t>Name	:</a:t>
-            </a:r>
-            <a:r>
-              <a:rPr lang="en-US" sz="1400" dirty="0">
+              <a:t>Name	</a:t>
+            </a:r>
+            <a:r>
+              <a:rPr lang="en-US" sz="1100" dirty="0" smtClean="0">
+                <a:solidFill>
+                  <a:schemeClr val="tx2"/>
+                </a:solidFill>
+              </a:rPr>
+              <a:t>	: </a:t>
+            </a:r>
+            <a:r>
+              <a:rPr lang="en-US" sz="1100" dirty="0">
+                <a:solidFill>
+                  <a:schemeClr val="tx2"/>
+                </a:solidFill>
+              </a:rPr>
+              <a:t>Mohanraj Kanagaraj</a:t>
+            </a:r>
+          </a:p>
+          <a:p>
+            <a:r>
+              <a:rPr lang="en-US" sz="1100" dirty="0" err="1">
+                <a:solidFill>
+                  <a:schemeClr val="tx2"/>
+                </a:solidFill>
+              </a:rPr>
+              <a:t>Emp</a:t>
+            </a:r>
+            <a:r>
+              <a:rPr lang="en-US" sz="1100" dirty="0">
                 <a:solidFill>
                   <a:schemeClr val="tx2"/>
                 </a:solidFill>
@@ -5555,22 +5882,74 @@
               <a:t> </a:t>
             </a:r>
             <a:r>
-              <a:rPr lang="en-US" sz="1200" dirty="0">
-                <a:solidFill>
-                  <a:schemeClr val="tx2"/>
-                </a:solidFill>
-              </a:rPr>
-              <a:t>Mohanraj Kanagaraj</a:t>
-            </a:r>
-          </a:p>
-          <a:p>
+              <a:rPr lang="en-US" sz="1100" dirty="0" smtClean="0">
+                <a:solidFill>
+                  <a:schemeClr val="tx2"/>
+                </a:solidFill>
+              </a:rPr>
+              <a:t>id		: </a:t>
+            </a:r>
+            <a:r>
+              <a:rPr lang="en-US" sz="1100" dirty="0">
+                <a:solidFill>
+                  <a:schemeClr val="tx2"/>
+                </a:solidFill>
+              </a:rPr>
+              <a:t>165071</a:t>
+            </a:r>
+          </a:p>
+          <a:p>
+            <a:r>
+              <a:rPr lang="en-US" sz="1100" dirty="0" smtClean="0">
+                <a:solidFill>
+                  <a:schemeClr val="tx2"/>
+                </a:solidFill>
+              </a:rPr>
+              <a:t>Project		: SPI Design </a:t>
+            </a:r>
+            <a:r>
+              <a:rPr lang="en-US" sz="1100" dirty="0">
+                <a:solidFill>
+                  <a:schemeClr val="tx2"/>
+                </a:solidFill>
+              </a:rPr>
+              <a:t>&amp; Development</a:t>
+            </a:r>
+          </a:p>
+          <a:p>
+            <a:r>
+              <a:rPr lang="en-US" sz="1100" dirty="0" smtClean="0">
+                <a:solidFill>
+                  <a:schemeClr val="tx2"/>
+                </a:solidFill>
+              </a:rPr>
+              <a:t>Account	: </a:t>
+            </a:r>
+            <a:r>
+              <a:rPr lang="en-US" sz="1100" dirty="0">
+                <a:solidFill>
+                  <a:schemeClr val="tx2"/>
+                </a:solidFill>
+              </a:rPr>
+              <a:t>Metropolitan Life Insurance </a:t>
+            </a:r>
+          </a:p>
+          <a:p>
+            <a:r>
+              <a:rPr lang="en-US" sz="1100" dirty="0" smtClean="0">
+                <a:solidFill>
+                  <a:schemeClr val="tx2"/>
+                </a:solidFill>
+              </a:rPr>
+              <a:t>Technology	: </a:t>
+            </a:r>
             <a:r>
               <a:rPr lang="en-US" sz="1100" dirty="0" err="1">
                 <a:solidFill>
                   <a:schemeClr val="tx2"/>
                 </a:solidFill>
               </a:rPr>
-              <a:t>Emp</a:t>
+              <a:t>Microservices</a:t>
             </a:r>
             <a:r>
               <a:rPr lang="en-US" sz="1100" dirty="0">
@@ -5578,113 +5957,27 @@
                   <a:schemeClr val="tx2"/>
                 </a:solidFill>
               </a:rPr>
-              <a:t> id:</a:t>
-            </a:r>
-            <a:r>
-              <a:rPr lang="en-US" sz="1200" dirty="0">
-                <a:solidFill>
-                  <a:schemeClr val="tx2"/>
-                </a:solidFill>
-              </a:rPr>
-              <a:t> 165071</a:t>
-            </a:r>
-          </a:p>
-          <a:p>
-            <a:r>
-              <a:rPr lang="en-US" sz="1100" dirty="0">
-                <a:solidFill>
-                  <a:schemeClr val="tx2"/>
-                </a:solidFill>
-              </a:rPr>
-              <a:t>Project:</a:t>
-            </a:r>
-            <a:r>
-              <a:rPr lang="en-US" sz="1200" dirty="0">
-                <a:solidFill>
-                  <a:schemeClr val="tx2"/>
-                </a:solidFill>
-              </a:rPr>
-              <a:t> Service Provider Interfaces </a:t>
-            </a:r>
-          </a:p>
-          <a:p>
-            <a:r>
-              <a:rPr lang="en-US" sz="1200" dirty="0" smtClean="0">
-                <a:solidFill>
-                  <a:schemeClr val="tx2"/>
-                </a:solidFill>
-              </a:rPr>
-              <a:t>	  Design </a:t>
-            </a:r>
-            <a:r>
-              <a:rPr lang="en-US" sz="1200" dirty="0">
-                <a:solidFill>
-                  <a:schemeClr val="tx2"/>
-                </a:solidFill>
-              </a:rPr>
-              <a:t>&amp; Development</a:t>
-            </a:r>
-          </a:p>
-          <a:p>
-            <a:r>
-              <a:rPr lang="en-US" sz="1100" dirty="0">
-                <a:solidFill>
-                  <a:schemeClr val="tx2"/>
-                </a:solidFill>
-              </a:rPr>
-              <a:t>Account:</a:t>
-            </a:r>
-            <a:r>
-              <a:rPr lang="en-US" sz="1200" dirty="0">
-                <a:solidFill>
-                  <a:schemeClr val="tx2"/>
-                </a:solidFill>
-              </a:rPr>
-              <a:t> Metropolitan Life Insurance </a:t>
-            </a:r>
-          </a:p>
-          <a:p>
-            <a:r>
-              <a:rPr lang="en-US" sz="1100" dirty="0">
-                <a:solidFill>
-                  <a:schemeClr val="tx2"/>
-                </a:solidFill>
-              </a:rPr>
-              <a:t>Technology:</a:t>
-            </a:r>
-            <a:r>
-              <a:rPr lang="en-US" sz="1200" dirty="0">
-                <a:solidFill>
-                  <a:schemeClr val="tx2"/>
-                </a:solidFill>
-              </a:rPr>
-              <a:t> </a:t>
-            </a:r>
-            <a:r>
-              <a:rPr lang="en-US" sz="1200" dirty="0" err="1">
-                <a:solidFill>
-                  <a:schemeClr val="tx2"/>
-                </a:solidFill>
-              </a:rPr>
-              <a:t>Microservices</a:t>
-            </a:r>
-            <a:r>
-              <a:rPr lang="en-US" sz="1200" dirty="0">
-                <a:solidFill>
-                  <a:schemeClr val="tx2"/>
-                </a:solidFill>
-              </a:rPr>
               <a:t>, JAVA, </a:t>
             </a:r>
             <a:r>
-              <a:rPr lang="en-US" sz="1200" dirty="0" smtClean="0">
+              <a:rPr lang="en-US" sz="1100" dirty="0" smtClean="0">
                 <a:solidFill>
                   <a:schemeClr val="tx2"/>
                 </a:solidFill>
               </a:rPr>
               <a:t>Python</a:t>
             </a:r>
-            <a:endParaRPr lang="en-US" sz="1200" dirty="0">
+          </a:p>
+          <a:p>
+            <a:r>
+              <a:rPr lang="en-US" sz="1100" dirty="0" smtClean="0">
+                <a:solidFill>
+                  <a:schemeClr val="tx2"/>
+                </a:solidFill>
+              </a:rPr>
+              <a:t>Location	: Chennai, India</a:t>
+            </a:r>
+            <a:endParaRPr lang="en-US" sz="1100" dirty="0">
               <a:solidFill>
                 <a:schemeClr val="tx2"/>
               </a:solidFill>
@@ -5712,7 +6005,7 @@
         </p:blipFill>
         <p:spPr>
           <a:xfrm>
-            <a:off x="7430088" y="2687177"/>
+            <a:off x="7744190" y="2694157"/>
             <a:ext cx="869315" cy="722630"/>
           </a:xfrm>
           <a:prstGeom prst="rect">
@@ -5779,6 +6072,7 @@
           </a:bodyPr>
           <a:lstStyle/>
           <a:p>
+            <a:pPr algn="just"/>
             <a:r>
               <a:rPr lang="en-US" dirty="0" smtClean="0"/>
               <a:t>Traditional ecommerce transaction events are enriched using a stream engine in real time to produce valuable statistics and data which in turn aid a retail store manager to run his store effectively and efficiently. </a:t>
@@ -5798,6 +6092,10 @@
           </p:nvPr>
         </p:nvSpPr>
         <p:spPr>
+          <a:xfrm>
+            <a:off x="4845050" y="1808054"/>
+            <a:ext cx="3924301" cy="2774105"/>
+          </a:xfrm>
           <a:ln cap="rnd"/>
         </p:spPr>
         <p:style>
@@ -5816,17 +6114,18 @@
         </p:style>
         <p:txBody>
           <a:bodyPr>
-            <a:normAutofit lnSpcReduction="10000"/>
+            <a:normAutofit/>
           </a:bodyPr>
           <a:lstStyle/>
           <a:p>
+            <a:pPr algn="just"/>
             <a:r>
               <a:rPr lang="en-US" dirty="0" smtClean="0"/>
               <a:t>Stream Analytics results would help a store manager to </a:t>
             </a:r>
           </a:p>
           <a:p>
-            <a:pPr marL="285750" indent="-285750">
+            <a:pPr marL="285750" indent="-285750" algn="just">
               <a:buFont typeface="Wingdings" panose="05000000000000000000" pitchFamily="2" charset="2"/>
               <a:buChar char="Ø"/>
             </a:pPr>
@@ -5840,7 +6139,7 @@
             </a:r>
           </a:p>
           <a:p>
-            <a:pPr marL="285750" indent="-285750">
+            <a:pPr marL="285750" indent="-285750" algn="just">
               <a:buFont typeface="Wingdings" panose="05000000000000000000" pitchFamily="2" charset="2"/>
               <a:buChar char="Ø"/>
             </a:pPr>
@@ -5854,7 +6153,7 @@
             </a:r>
           </a:p>
           <a:p>
-            <a:pPr marL="285750" indent="-285750">
+            <a:pPr marL="285750" indent="-285750" algn="just">
               <a:buFont typeface="Wingdings" panose="05000000000000000000" pitchFamily="2" charset="2"/>
               <a:buChar char="Ø"/>
             </a:pPr>
@@ -5868,7 +6167,7 @@
             </a:r>
           </a:p>
           <a:p>
-            <a:pPr marL="285750" indent="-285750">
+            <a:pPr marL="285750" indent="-285750" algn="just">
               <a:buFont typeface="Wingdings" panose="05000000000000000000" pitchFamily="2" charset="2"/>
               <a:buChar char="Ø"/>
             </a:pPr>
@@ -5882,7 +6181,7 @@
             </a:r>
           </a:p>
           <a:p>
-            <a:pPr marL="285750" indent="-285750">
+            <a:pPr marL="285750" indent="-285750" algn="just">
               <a:buFont typeface="Wingdings" panose="05000000000000000000" pitchFamily="2" charset="2"/>
               <a:buChar char="Ø"/>
             </a:pPr>
@@ -5892,7 +6191,7 @@
             </a:r>
           </a:p>
           <a:p>
-            <a:pPr marL="285750" indent="-285750">
+            <a:pPr marL="285750" indent="-285750" algn="just">
               <a:buFont typeface="Wingdings" panose="05000000000000000000" pitchFamily="2" charset="2"/>
               <a:buChar char="Ø"/>
             </a:pPr>
@@ -5945,8 +6244,8 @@
         </p:blipFill>
         <p:spPr>
           <a:xfrm>
-            <a:off x="428822" y="1808054"/>
-            <a:ext cx="3869528" cy="2809873"/>
+            <a:off x="304363" y="1808054"/>
+            <a:ext cx="4344419" cy="2809873"/>
           </a:xfrm>
           <a:prstGeom prst="rect">
             <a:avLst/>
@@ -6076,7 +6375,7 @@
           <a:bodyPr rtlCol="0" anchor="t"/>
           <a:lstStyle/>
           <a:p>
-            <a:pPr marL="285750" indent="-285750">
+            <a:pPr marL="285750" indent="-285750" algn="just">
               <a:buFont typeface="Wingdings" panose="05000000000000000000" pitchFamily="2" charset="2"/>
               <a:buChar char="q"/>
             </a:pPr>
@@ -6090,7 +6389,7 @@
             </a:r>
           </a:p>
           <a:p>
-            <a:pPr marL="285750" indent="-285750">
+            <a:pPr marL="285750" indent="-285750" algn="just">
               <a:buFont typeface="Wingdings" panose="05000000000000000000" pitchFamily="2" charset="2"/>
               <a:buChar char="q"/>
             </a:pPr>
@@ -6104,7 +6403,7 @@
             </a:r>
           </a:p>
           <a:p>
-            <a:pPr marL="285750" indent="-285750">
+            <a:pPr marL="285750" indent="-285750" algn="just">
               <a:buFont typeface="Wingdings" panose="05000000000000000000" pitchFamily="2" charset="2"/>
               <a:buChar char="q"/>
             </a:pPr>
@@ -6114,11 +6413,27 @@
                   <a:schemeClr val="tx2"/>
                 </a:solidFill>
               </a:rPr>
-              <a:t>Kafka stream API would connect to the event simulator to read the raw event in real time. </a:t>
-            </a:r>
-          </a:p>
-          <a:p>
-            <a:pPr marL="285750" indent="-285750">
+              <a:t>Kafka stream Java API would connect to the event simulator to read the raw event </a:t>
+            </a:r>
+            <a:r>
+              <a:rPr lang="en-US" sz="1050" dirty="0" err="1" smtClean="0">
+                <a:solidFill>
+                  <a:schemeClr val="tx2"/>
+                </a:solidFill>
+              </a:rPr>
+              <a:t>json</a:t>
+            </a:r>
+            <a:r>
+              <a:rPr lang="en-US" sz="1050" dirty="0" smtClean="0">
+                <a:solidFill>
+                  <a:schemeClr val="tx2"/>
+                </a:solidFill>
+              </a:rPr>
+              <a:t> in real time. </a:t>
+            </a:r>
+          </a:p>
+          <a:p>
+            <a:pPr marL="285750" indent="-285750" algn="just">
               <a:buFont typeface="Wingdings" panose="05000000000000000000" pitchFamily="2" charset="2"/>
               <a:buChar char="q"/>
             </a:pPr>
@@ -6128,11 +6443,11 @@
                   <a:schemeClr val="tx2"/>
                 </a:solidFill>
               </a:rPr>
-              <a:t>Later it sanitize and process this raw data into an useful dataset which then can be perished downstream. </a:t>
-            </a:r>
-          </a:p>
-          <a:p>
-            <a:pPr marL="285750" indent="-285750">
+              <a:t>Later it sanitize and process this raw data into an useful dataset which can then be persisted downstream. </a:t>
+            </a:r>
+          </a:p>
+          <a:p>
+            <a:pPr marL="285750" indent="-285750" algn="just">
               <a:buFont typeface="Wingdings" panose="05000000000000000000" pitchFamily="2" charset="2"/>
               <a:buChar char="q"/>
             </a:pPr>
@@ -6162,7 +6477,7 @@
             </a:r>
           </a:p>
           <a:p>
-            <a:pPr marL="285750" indent="-285750">
+            <a:pPr marL="285750" indent="-285750" algn="just">
               <a:buFont typeface="Wingdings" panose="05000000000000000000" pitchFamily="2" charset="2"/>
               <a:buChar char="q"/>
             </a:pPr>
@@ -6172,11 +6487,11 @@
                   <a:schemeClr val="tx2"/>
                 </a:solidFill>
               </a:rPr>
-              <a:t>Kafka consumer Java API would read these topics from the broker and connect to the running Mongo client to insert into respective Mongo Collections. </a:t>
-            </a:r>
-          </a:p>
-          <a:p>
-            <a:pPr marL="285750" indent="-285750">
+              <a:t>Kafka consumer Java API would read these topics from the broker and connect to the Mongo client to insert into respective Mongo Collections. </a:t>
+            </a:r>
+          </a:p>
+          <a:p>
+            <a:pPr marL="285750" indent="-285750" algn="just">
               <a:buFont typeface="Wingdings" panose="05000000000000000000" pitchFamily="2" charset="2"/>
               <a:buChar char="q"/>
             </a:pPr>
@@ -6186,11 +6501,11 @@
                   <a:schemeClr val="tx2"/>
                 </a:solidFill>
               </a:rPr>
-              <a:t>3 different Mongo collections namely Order, Status and Item collections are created by the consumer java API where the stream processed data are stored in real time. </a:t>
-            </a:r>
-          </a:p>
-          <a:p>
-            <a:pPr marL="285750" indent="-285750">
+              <a:t>3 different Mongo collections named Order, Status and Item will be created and stream processed data will be inserted in real time by the consumer java API. </a:t>
+            </a:r>
+          </a:p>
+          <a:p>
+            <a:pPr marL="285750" indent="-285750" algn="just">
               <a:buFont typeface="Wingdings" panose="05000000000000000000" pitchFamily="2" charset="2"/>
               <a:buChar char="q"/>
             </a:pPr>
@@ -6200,7 +6515,7 @@
                   <a:schemeClr val="tx2"/>
                 </a:solidFill>
               </a:rPr>
-              <a:t>Mongo collections would be continuously read by the </a:t>
+              <a:t>Mongo collections would continuously be read by the </a:t>
             </a:r>
             <a:r>
               <a:rPr lang="en-US" sz="1050" dirty="0" err="1" smtClean="0">
@@ -6298,6 +6613,7 @@
             </a:r>
           </a:p>
           <a:p>
+            <a:pPr algn="just"/>
             <a:r>
               <a:rPr lang="en-US" sz="1050" dirty="0" smtClean="0">
                 <a:solidFill>
@@ -6308,6 +6624,7 @@
             </a:r>
           </a:p>
           <a:p>
+            <a:pPr algn="just"/>
             <a:r>
               <a:rPr lang="en-US" sz="1050" dirty="0" smtClean="0">
                 <a:solidFill>
@@ -6334,6 +6651,7 @@
             </a:r>
           </a:p>
           <a:p>
+            <a:pPr algn="just"/>
             <a:r>
               <a:rPr lang="en-US" sz="1050" dirty="0" smtClean="0">
                 <a:solidFill>
@@ -6360,6 +6678,7 @@
             </a:r>
           </a:p>
           <a:p>
+            <a:pPr algn="just"/>
             <a:r>
               <a:rPr lang="en-US" sz="1050" dirty="0" smtClean="0">
                 <a:solidFill>
@@ -6386,6 +6705,7 @@
             </a:r>
           </a:p>
           <a:p>
+            <a:pPr algn="just"/>
             <a:r>
               <a:rPr lang="en-US" sz="1050" dirty="0" smtClean="0">
                 <a:solidFill>
@@ -6412,6 +6732,7 @@
             </a:r>
           </a:p>
           <a:p>
+            <a:pPr algn="just"/>
             <a:r>
               <a:rPr lang="en-US" sz="1050" dirty="0" smtClean="0">
                 <a:solidFill>
@@ -6662,10 +6983,11 @@
                   <a:schemeClr val="tx2"/>
                 </a:solidFill>
               </a:rPr>
-              <a:t>Store Manager post actions from Dashboard results</a:t>
-            </a:r>
-          </a:p>
-          <a:p>
+              <a:t>How live stream results help the Store Manager post??</a:t>
+            </a:r>
+          </a:p>
+          <a:p>
+            <a:pPr algn="just"/>
             <a:r>
               <a:rPr lang="en-US" sz="1050" dirty="0" smtClean="0">
                 <a:solidFill>
@@ -6676,6 +6998,7 @@
             </a:r>
           </a:p>
           <a:p>
+            <a:pPr algn="just"/>
             <a:r>
               <a:rPr lang="en-US" sz="1050" dirty="0" smtClean="0">
                 <a:solidFill>
@@ -6686,6 +7009,7 @@
             </a:r>
           </a:p>
           <a:p>
+            <a:pPr algn="just"/>
             <a:r>
               <a:rPr lang="en-US" sz="1050" dirty="0" smtClean="0">
                 <a:solidFill>
@@ -6712,6 +7036,7 @@
             </a:r>
           </a:p>
           <a:p>
+            <a:pPr algn="just"/>
             <a:r>
               <a:rPr lang="en-US" sz="1050" dirty="0" smtClean="0">
                 <a:solidFill>
@@ -6722,6 +7047,7 @@
             </a:r>
           </a:p>
           <a:p>
+            <a:pPr algn="just"/>
             <a:r>
               <a:rPr lang="en-US" sz="1050" dirty="0" smtClean="0">
                 <a:solidFill>
@@ -6748,6 +7074,13 @@
   <p:clrMapOvr>
     <a:masterClrMapping/>
   </p:clrMapOvr>
+  <p:timing>
+    <p:tnLst>
+      <p:par>
+        <p:cTn id="1" dur="indefinite" restart="never" nodeType="tmRoot"/>
+      </p:par>
+    </p:tnLst>
+  </p:timing>
 </p:sld>
 </file>
 
@@ -6778,14 +7111,22 @@
             <p:ph type="title"/>
           </p:nvPr>
         </p:nvSpPr>
-        <p:spPr/>
+        <p:spPr>
+          <a:ln>
+            <a:noFill/>
+          </a:ln>
+        </p:spPr>
         <p:txBody>
           <a:bodyPr>
             <a:normAutofit fontScale="90000"/>
           </a:bodyPr>
           <a:lstStyle/>
           <a:p>
-            <a:endParaRPr lang="en-US"/>
+            <a:r>
+              <a:rPr lang="en-US" dirty="0" smtClean="0"/>
+              <a:t>Thank you</a:t>
+            </a:r>
+            <a:endParaRPr lang="en-US" dirty="0"/>
           </a:p>
         </p:txBody>
       </p:sp>
@@ -6801,10 +7142,34 @@
         </p:nvSpPr>
         <p:spPr/>
         <p:txBody>
-          <a:bodyPr/>
+          <a:bodyPr>
+            <a:normAutofit lnSpcReduction="10000"/>
+          </a:bodyPr>
           <a:lstStyle/>
           <a:p>
-            <a:endParaRPr lang="en-US"/>
+            <a:r>
+              <a:rPr lang="en-US" dirty="0" smtClean="0"/>
+              <a:t>Devaki</a:t>
+            </a:r>
+          </a:p>
+          <a:p>
+            <a:r>
+              <a:rPr lang="en-US" dirty="0" smtClean="0"/>
+              <a:t>Chandrakala</a:t>
+            </a:r>
+          </a:p>
+          <a:p>
+            <a:r>
+              <a:rPr lang="en-US" dirty="0" smtClean="0"/>
+              <a:t>Sini</a:t>
+            </a:r>
+          </a:p>
+          <a:p>
+            <a:r>
+              <a:rPr lang="en-US" dirty="0" smtClean="0"/>
+              <a:t>Mohanraj</a:t>
+            </a:r>
+            <a:endParaRPr lang="en-US" dirty="0"/>
           </a:p>
         </p:txBody>
       </p:sp>
@@ -6818,6 +7183,13 @@
   <p:clrMapOvr>
     <a:masterClrMapping/>
   </p:clrMapOvr>
+  <p:timing>
+    <p:tnLst>
+      <p:par>
+        <p:cTn id="1" dur="indefinite" restart="never" nodeType="tmRoot"/>
+      </p:par>
+    </p:tnLst>
+  </p:timing>
 </p:sld>
 </file>
 
@@ -7221,4 +7593,265 @@
     </a:ext>
   </a:extLst>
 </a:theme>
+</file>
+
+<file path=ppt/theme/theme2.xml><?xml version="1.0" encoding="utf-8"?>
+<a:theme xmlns:a="http://schemas.openxmlformats.org/drawingml/2006/main" name="Office Theme">
+  <a:themeElements>
+    <a:clrScheme name="Office">
+      <a:dk1>
+        <a:sysClr val="windowText" lastClr="000000"/>
+      </a:dk1>
+      <a:lt1>
+        <a:sysClr val="window" lastClr="FFFFFF"/>
+      </a:lt1>
+      <a:dk2>
+        <a:srgbClr val="44546A"/>
+      </a:dk2>
+      <a:lt2>
+        <a:srgbClr val="E7E6E6"/>
+      </a:lt2>
+      <a:accent1>
+        <a:srgbClr val="5B9BD5"/>
+      </a:accent1>
+      <a:accent2>
+        <a:srgbClr val="ED7D31"/>
+      </a:accent2>
+      <a:accent3>
+        <a:srgbClr val="A5A5A5"/>
+      </a:accent3>
+      <a:accent4>
+        <a:srgbClr val="FFC000"/>
+      </a:accent4>
+      <a:accent5>
+        <a:srgbClr val="4472C4"/>
+      </a:accent5>
+      <a:accent6>
+        <a:srgbClr val="70AD47"/>
+      </a:accent6>
+      <a:hlink>
+        <a:srgbClr val="0563C1"/>
+      </a:hlink>
+      <a:folHlink>
+        <a:srgbClr val="954F72"/>
+      </a:folHlink>
+    </a:clrScheme>
+    <a:fontScheme name="Office">
+      <a:majorFont>
+        <a:latin typeface="Calibri Light" panose="020F0302020204030204"/>
+        <a:ea typeface=""/>
+        <a:cs typeface=""/>
+        <a:font script="Jpan" typeface="游ゴシック Light"/>
+        <a:font script="Hang" typeface="맑은 고딕"/>
+        <a:font script="Hans" typeface="等线 Light"/>
+        <a:font script="Hant" typeface="新細明體"/>
+        <a:font script="Arab" typeface="Times New Roman"/>
+        <a:font script="Hebr" typeface="Times New Roman"/>
+        <a:font script="Thai" typeface="Angsana New"/>
+        <a:font script="Ethi" typeface="Nyala"/>
+        <a:font script="Beng" typeface="Vrinda"/>
+        <a:font script="Gujr" typeface="Shruti"/>
+        <a:font script="Khmr" typeface="MoolBoran"/>
+        <a:font script="Knda" typeface="Tunga"/>
+        <a:font script="Guru" typeface="Raavi"/>
+        <a:font script="Cans" typeface="Euphemia"/>
+        <a:font script="Cher" typeface="Plantagenet Cherokee"/>
+        <a:font script="Yiii" typeface="Microsoft Yi Baiti"/>
+        <a:font script="Tibt" typeface="Microsoft Himalaya"/>
+        <a:font script="Thaa" typeface="MV Boli"/>
+        <a:font script="Deva" typeface="Mangal"/>
+        <a:font script="Telu" typeface="Gautami"/>
+        <a:font script="Taml" typeface="Latha"/>
+        <a:font script="Syrc" typeface="Estrangelo Edessa"/>
+        <a:font script="Orya" typeface="Kalinga"/>
+        <a:font script="Mlym" typeface="Kartika"/>
+        <a:font script="Laoo" typeface="DokChampa"/>
+        <a:font script="Sinh" typeface="Iskoola Pota"/>
+        <a:font script="Mong" typeface="Mongolian Baiti"/>
+        <a:font script="Viet" typeface="Times New Roman"/>
+        <a:font script="Uigh" typeface="Microsoft Uighur"/>
+        <a:font script="Geor" typeface="Sylfaen"/>
+      </a:majorFont>
+      <a:minorFont>
+        <a:latin typeface="Calibri" panose="020F0502020204030204"/>
+        <a:ea typeface=""/>
+        <a:cs typeface=""/>
+        <a:font script="Jpan" typeface="游ゴシック"/>
+        <a:font script="Hang" typeface="맑은 고딕"/>
+        <a:font script="Hans" typeface="等线"/>
+        <a:font script="Hant" typeface="新細明體"/>
+        <a:font script="Arab" typeface="Arial"/>
+        <a:font script="Hebr" typeface="Arial"/>
+        <a:font script="Thai" typeface="Cordia New"/>
+        <a:font script="Ethi" typeface="Nyala"/>
+        <a:font script="Beng" typeface="Vrinda"/>
+        <a:font script="Gujr" typeface="Shruti"/>
+        <a:font script="Khmr" typeface="DaunPenh"/>
+        <a:font script="Knda" typeface="Tunga"/>
+        <a:font script="Guru" typeface="Raavi"/>
+        <a:font script="Cans" typeface="Euphemia"/>
+        <a:font script="Cher" typeface="Plantagenet Cherokee"/>
+        <a:font script="Yiii" typeface="Microsoft Yi Baiti"/>
+        <a:font script="Tibt" typeface="Microsoft Himalaya"/>
+        <a:font script="Thaa" typeface="MV Boli"/>
+        <a:font script="Deva" typeface="Mangal"/>
+        <a:font script="Telu" typeface="Gautami"/>
+        <a:font script="Taml" typeface="Latha"/>
+        <a:font script="Syrc" typeface="Estrangelo Edessa"/>
+        <a:font script="Orya" typeface="Kalinga"/>
+        <a:font script="Mlym" typeface="Kartika"/>
+        <a:font script="Laoo" typeface="DokChampa"/>
+        <a:font script="Sinh" typeface="Iskoola Pota"/>
+        <a:font script="Mong" typeface="Mongolian Baiti"/>
+        <a:font script="Viet" typeface="Arial"/>
+        <a:font script="Uigh" typeface="Microsoft Uighur"/>
+        <a:font script="Geor" typeface="Sylfaen"/>
+      </a:minorFont>
+    </a:fontScheme>
+    <a:fmtScheme name="Office">
+      <a:fillStyleLst>
+        <a:solidFill>
+          <a:schemeClr val="phClr"/>
+        </a:solidFill>
+        <a:gradFill rotWithShape="1">
+          <a:gsLst>
+            <a:gs pos="0">
+              <a:schemeClr val="phClr">
+                <a:lumMod val="110000"/>
+                <a:satMod val="105000"/>
+                <a:tint val="67000"/>
+              </a:schemeClr>
+            </a:gs>
+            <a:gs pos="50000">
+              <a:schemeClr val="phClr">
+                <a:lumMod val="105000"/>
+                <a:satMod val="103000"/>
+                <a:tint val="73000"/>
+              </a:schemeClr>
+            </a:gs>
+            <a:gs pos="100000">
+              <a:schemeClr val="phClr">
+                <a:lumMod val="105000"/>
+                <a:satMod val="109000"/>
+                <a:tint val="81000"/>
+              </a:schemeClr>
+            </a:gs>
+          </a:gsLst>
+          <a:lin ang="5400000" scaled="0"/>
+        </a:gradFill>
+        <a:gradFill rotWithShape="1">
+          <a:gsLst>
+            <a:gs pos="0">
+              <a:schemeClr val="phClr">
+                <a:satMod val="103000"/>
+                <a:lumMod val="102000"/>
+                <a:tint val="94000"/>
+              </a:schemeClr>
+            </a:gs>
+            <a:gs pos="50000">
+              <a:schemeClr val="phClr">
+                <a:satMod val="110000"/>
+                <a:lumMod val="100000"/>
+                <a:shade val="100000"/>
+              </a:schemeClr>
+            </a:gs>
+            <a:gs pos="100000">
+              <a:schemeClr val="phClr">
+                <a:lumMod val="99000"/>
+                <a:satMod val="120000"/>
+                <a:shade val="78000"/>
+              </a:schemeClr>
+            </a:gs>
+          </a:gsLst>
+          <a:lin ang="5400000" scaled="0"/>
+        </a:gradFill>
+      </a:fillStyleLst>
+      <a:lnStyleLst>
+        <a:ln w="6350" cap="flat" cmpd="sng" algn="ctr">
+          <a:solidFill>
+            <a:schemeClr val="phClr"/>
+          </a:solidFill>
+          <a:prstDash val="solid"/>
+          <a:miter lim="800000"/>
+        </a:ln>
+        <a:ln w="12700" cap="flat" cmpd="sng" algn="ctr">
+          <a:solidFill>
+            <a:schemeClr val="phClr"/>
+          </a:solidFill>
+          <a:prstDash val="solid"/>
+          <a:miter lim="800000"/>
+        </a:ln>
+        <a:ln w="19050" cap="flat" cmpd="sng" algn="ctr">
+          <a:solidFill>
+            <a:schemeClr val="phClr"/>
+          </a:solidFill>
+          <a:prstDash val="solid"/>
+          <a:miter lim="800000"/>
+        </a:ln>
+      </a:lnStyleLst>
+      <a:effectStyleLst>
+        <a:effectStyle>
+          <a:effectLst/>
+        </a:effectStyle>
+        <a:effectStyle>
+          <a:effectLst/>
+        </a:effectStyle>
+        <a:effectStyle>
+          <a:effectLst>
+            <a:outerShdw blurRad="57150" dist="19050" dir="5400000" algn="ctr" rotWithShape="0">
+              <a:srgbClr val="000000">
+                <a:alpha val="63000"/>
+              </a:srgbClr>
+            </a:outerShdw>
+          </a:effectLst>
+        </a:effectStyle>
+      </a:effectStyleLst>
+      <a:bgFillStyleLst>
+        <a:solidFill>
+          <a:schemeClr val="phClr"/>
+        </a:solidFill>
+        <a:solidFill>
+          <a:schemeClr val="phClr">
+            <a:tint val="95000"/>
+            <a:satMod val="170000"/>
+          </a:schemeClr>
+        </a:solidFill>
+        <a:gradFill rotWithShape="1">
+          <a:gsLst>
+            <a:gs pos="0">
+              <a:schemeClr val="phClr">
+                <a:tint val="93000"/>
+                <a:satMod val="150000"/>
+                <a:shade val="98000"/>
+                <a:lumMod val="102000"/>
+              </a:schemeClr>
+            </a:gs>
+            <a:gs pos="50000">
+              <a:schemeClr val="phClr">
+                <a:tint val="98000"/>
+                <a:satMod val="130000"/>
+                <a:shade val="90000"/>
+                <a:lumMod val="103000"/>
+              </a:schemeClr>
+            </a:gs>
+            <a:gs pos="100000">
+              <a:schemeClr val="phClr">
+                <a:shade val="63000"/>
+                <a:satMod val="120000"/>
+              </a:schemeClr>
+            </a:gs>
+          </a:gsLst>
+          <a:lin ang="5400000" scaled="0"/>
+        </a:gradFill>
+      </a:bgFillStyleLst>
+    </a:fmtScheme>
+  </a:themeElements>
+  <a:objectDefaults/>
+  <a:extraClrSchemeLst/>
+  <a:extLst>
+    <a:ext uri="{05A4C25C-085E-4340-85A3-A5531E510DB2}">
+      <thm15:themeFamily xmlns:thm15="http://schemas.microsoft.com/office/thememl/2012/main" name="Office Theme" id="{62F939B6-93AF-4DB8-9C6B-D6C7DFDC589F}" vid="{4A3C46E8-61CC-4603-A589-7422A47A8E4A}"/>
+    </a:ext>
+  </a:extLst>
+</a:theme>
 </file>
--- a/RAI_Ecomm.pptx
+++ b/RAI_Ecomm.pptx
@@ -202,7 +202,7 @@
           <a:p>
             <a:fld id="{8FE07F22-CEC4-46D3-8437-84DAA8A0507F}" type="datetimeFigureOut">
               <a:rPr lang="en-US" smtClean="0"/>
-              <a:t>7/20/2018</a:t>
+              <a:t>7/22/18</a:t>
             </a:fld>
             <a:endParaRPr lang="en-US"/>
           </a:p>
@@ -266,38 +266,37 @@
           <a:p>
             <a:pPr lvl="0"/>
             <a:r>
-              <a:rPr lang="en-US" smtClean="0"/>
+              <a:rPr lang="en-US"/>
               <a:t>Edit Master text styles</a:t>
             </a:r>
           </a:p>
           <a:p>
             <a:pPr lvl="1"/>
             <a:r>
-              <a:rPr lang="en-US" smtClean="0"/>
+              <a:rPr lang="en-US"/>
               <a:t>Second level</a:t>
             </a:r>
           </a:p>
           <a:p>
             <a:pPr lvl="2"/>
             <a:r>
-              <a:rPr lang="en-US" smtClean="0"/>
+              <a:rPr lang="en-US"/>
               <a:t>Third level</a:t>
             </a:r>
           </a:p>
           <a:p>
             <a:pPr lvl="3"/>
             <a:r>
-              <a:rPr lang="en-US" smtClean="0"/>
+              <a:rPr lang="en-US"/>
               <a:t>Fourth level</a:t>
             </a:r>
           </a:p>
           <a:p>
             <a:pPr lvl="4"/>
             <a:r>
-              <a:rPr lang="en-US" smtClean="0"/>
+              <a:rPr lang="en-US"/>
               <a:t>Fifth level</a:t>
             </a:r>
-            <a:endParaRPr lang="en-US"/>
           </a:p>
         </p:txBody>
       </p:sp>
@@ -629,10 +628,9 @@
           <a:p>
             <a:pPr lvl="0"/>
             <a:r>
-              <a:rPr lang="en-US" dirty="0" smtClean="0"/>
+              <a:rPr lang="en-US" dirty="0"/>
               <a:t>Date</a:t>
             </a:r>
-            <a:endParaRPr lang="en-US" dirty="0"/>
           </a:p>
         </p:txBody>
       </p:sp>
@@ -691,10 +689,9 @@
           <a:p>
             <a:pPr lvl="0"/>
             <a:r>
-              <a:rPr lang="en-US" dirty="0" smtClean="0"/>
+              <a:rPr lang="en-US" dirty="0"/>
               <a:t>Presentation Title Goes Here</a:t>
             </a:r>
-            <a:endParaRPr lang="en-US" dirty="0"/>
           </a:p>
         </p:txBody>
       </p:sp>
@@ -735,10 +732,9 @@
           </a:lstStyle>
           <a:p>
             <a:r>
-              <a:rPr lang="en-US" dirty="0" smtClean="0"/>
+              <a:rPr lang="en-US" dirty="0"/>
               <a:t>Name / Title</a:t>
             </a:r>
-            <a:endParaRPr lang="en-US" dirty="0"/>
           </a:p>
         </p:txBody>
       </p:sp>
@@ -772,27 +768,7 @@
                 <a:latin typeface="Arial"/>
                 <a:cs typeface="Arial"/>
               </a:rPr>
-              <a:t>© </a:t>
-            </a:r>
-            <a:r>
-              <a:rPr lang="en-US" sz="900" dirty="0" smtClean="0">
-                <a:solidFill>
-                  <a:schemeClr val="tx2"/>
-                </a:solidFill>
-                <a:latin typeface="Arial"/>
-                <a:cs typeface="Arial"/>
-              </a:rPr>
-              <a:t>2018 </a:t>
-            </a:r>
-            <a:r>
-              <a:rPr lang="en-US" sz="900" dirty="0">
-                <a:solidFill>
-                  <a:schemeClr val="tx2"/>
-                </a:solidFill>
-                <a:latin typeface="Arial"/>
-                <a:cs typeface="Arial"/>
-              </a:rPr>
-              <a:t>Cognizant </a:t>
+              <a:t>© 2018 Cognizant </a:t>
             </a:r>
           </a:p>
         </p:txBody>
@@ -1164,7 +1140,7 @@
           </a:lstStyle>
           <a:p>
             <a:r>
-              <a:rPr lang="en-US" smtClean="0"/>
+              <a:rPr lang="en-US"/>
               <a:t>Click icon to add picture</a:t>
             </a:r>
             <a:endParaRPr lang="en-US" dirty="0"/>
@@ -1236,7 +1212,7 @@
           </a:lstStyle>
           <a:p>
             <a:r>
-              <a:rPr lang="en-US" smtClean="0"/>
+              <a:rPr lang="en-US"/>
               <a:t>Click icon to add picture</a:t>
             </a:r>
             <a:endParaRPr lang="en-US" dirty="0"/>
@@ -1382,7 +1358,7 @@
           </a:lstStyle>
           <a:p>
             <a:r>
-              <a:rPr lang="en-US" smtClean="0"/>
+              <a:rPr lang="en-US"/>
               <a:t>Click icon to add picture</a:t>
             </a:r>
             <a:endParaRPr lang="en-US" dirty="0"/>
@@ -1967,10 +1943,9 @@
               <a:rPr lang="en-US" dirty="0"/>
             </a:br>
             <a:r>
-              <a:rPr lang="en-US" dirty="0" smtClean="0"/>
+              <a:rPr lang="en-US" dirty="0"/>
               <a:t>Email (optional)</a:t>
             </a:r>
-            <a:endParaRPr lang="en-US" dirty="0"/>
           </a:p>
         </p:txBody>
       </p:sp>
@@ -2194,27 +2169,7 @@
                 <a:latin typeface="Arial"/>
                 <a:cs typeface="Arial"/>
               </a:rPr>
-              <a:t>© </a:t>
-            </a:r>
-            <a:r>
-              <a:rPr lang="en-US" sz="900" dirty="0" smtClean="0">
-                <a:solidFill>
-                  <a:schemeClr val="tx2"/>
-                </a:solidFill>
-                <a:latin typeface="Arial"/>
-                <a:cs typeface="Arial"/>
-              </a:rPr>
-              <a:t>2018 </a:t>
-            </a:r>
-            <a:r>
-              <a:rPr lang="en-US" sz="900" dirty="0">
-                <a:solidFill>
-                  <a:schemeClr val="tx2"/>
-                </a:solidFill>
-                <a:latin typeface="Arial"/>
-                <a:cs typeface="Arial"/>
-              </a:rPr>
-              <a:t>Cognizant </a:t>
+              <a:t>© 2018 Cognizant </a:t>
             </a:r>
           </a:p>
         </p:txBody>
@@ -2367,10 +2322,9 @@
           <a:p>
             <a:pPr lvl="0"/>
             <a:r>
-              <a:rPr lang="en-US" dirty="0" smtClean="0"/>
+              <a:rPr lang="en-US" dirty="0"/>
               <a:t>Presentation Title Goes Here. Use This Slide For 2 Line Titles.</a:t>
             </a:r>
-            <a:endParaRPr lang="en-US" dirty="0"/>
           </a:p>
         </p:txBody>
       </p:sp>
@@ -2412,12 +2366,8 @@
           <a:p>
             <a:pPr lvl="0"/>
             <a:r>
-              <a:rPr lang="en-US" dirty="0" smtClean="0"/>
-              <a:t>Name </a:t>
-            </a:r>
-            <a:r>
               <a:rPr lang="en-US" dirty="0"/>
-              <a:t>/ Title</a:t>
+              <a:t>Name / Title</a:t>
             </a:r>
           </a:p>
         </p:txBody>
@@ -2720,28 +2670,28 @@
           <a:p>
             <a:pPr lvl="0"/>
             <a:r>
-              <a:rPr lang="en-US" smtClean="0"/>
+              <a:rPr lang="en-US"/>
               <a:t>Edit Master text styles</a:t>
             </a:r>
           </a:p>
           <a:p>
             <a:pPr lvl="1"/>
             <a:r>
-              <a:rPr lang="en-US" smtClean="0"/>
+              <a:rPr lang="en-US"/>
               <a:t>Second level</a:t>
             </a:r>
           </a:p>
           <a:p>
             <a:pPr lvl="2"/>
             <a:r>
-              <a:rPr lang="en-US" smtClean="0"/>
+              <a:rPr lang="en-US"/>
               <a:t>Third level</a:t>
             </a:r>
           </a:p>
           <a:p>
             <a:pPr lvl="3"/>
             <a:r>
-              <a:rPr lang="en-US" smtClean="0"/>
+              <a:rPr lang="en-US"/>
               <a:t>Fourth level</a:t>
             </a:r>
           </a:p>
@@ -2932,7 +2882,7 @@
           </a:lstStyle>
           <a:p>
             <a:r>
-              <a:rPr lang="en-US" smtClean="0"/>
+              <a:rPr lang="en-US"/>
               <a:t>Click icon to add picture</a:t>
             </a:r>
             <a:endParaRPr lang="en-US" dirty="0"/>
@@ -3157,7 +3107,7 @@
           </a:lstStyle>
           <a:p>
             <a:r>
-              <a:rPr lang="en-US" smtClean="0"/>
+              <a:rPr lang="en-US"/>
               <a:t>Click icon to add picture</a:t>
             </a:r>
             <a:endParaRPr lang="en-US" dirty="0"/>
@@ -3306,7 +3256,7 @@
           </a:lstStyle>
           <a:p>
             <a:r>
-              <a:rPr lang="en-US" smtClean="0"/>
+              <a:rPr lang="en-US"/>
               <a:t>Click icon to add picture</a:t>
             </a:r>
             <a:endParaRPr lang="en-US" dirty="0"/>
@@ -3418,7 +3368,7 @@
           </a:lstStyle>
           <a:p>
             <a:r>
-              <a:rPr lang="en-US" smtClean="0"/>
+              <a:rPr lang="en-US"/>
               <a:t>Click icon to add picture</a:t>
             </a:r>
             <a:endParaRPr lang="en-US" dirty="0"/>
@@ -4276,35 +4226,35 @@
           <a:p>
             <a:pPr lvl="0"/>
             <a:r>
-              <a:rPr lang="en-US" smtClean="0"/>
+              <a:rPr lang="en-US"/>
               <a:t>Edit Master text styles</a:t>
             </a:r>
           </a:p>
           <a:p>
             <a:pPr lvl="1"/>
             <a:r>
-              <a:rPr lang="en-US" smtClean="0"/>
+              <a:rPr lang="en-US"/>
               <a:t>Second level</a:t>
             </a:r>
           </a:p>
           <a:p>
             <a:pPr lvl="2"/>
             <a:r>
-              <a:rPr lang="en-US" smtClean="0"/>
+              <a:rPr lang="en-US"/>
               <a:t>Third level</a:t>
             </a:r>
           </a:p>
           <a:p>
             <a:pPr lvl="3"/>
             <a:r>
-              <a:rPr lang="en-US" smtClean="0"/>
+              <a:rPr lang="en-US"/>
               <a:t>Fourth level</a:t>
             </a:r>
           </a:p>
           <a:p>
             <a:pPr lvl="4"/>
             <a:r>
-              <a:rPr lang="en-US" smtClean="0"/>
+              <a:rPr lang="en-US"/>
               <a:t>Fifth level</a:t>
             </a:r>
             <a:endParaRPr lang="en-US" dirty="0"/>
@@ -4560,39 +4510,7 @@
                 <a:latin typeface="+mn-lt"/>
                 <a:cs typeface="Arial"/>
               </a:rPr>
-              <a:t>© </a:t>
-            </a:r>
-            <a:r>
-              <a:rPr kumimoji="0" lang="en-US" sz="900" b="0" i="0" u="none" strike="noStrike" kern="0" cap="none" spc="0" normalizeH="0" baseline="0" noProof="0" dirty="0" smtClean="0">
-                <a:ln>
-                  <a:noFill/>
-                </a:ln>
-                <a:solidFill>
-                  <a:sysClr val="window" lastClr="FFFFFF"/>
-                </a:solidFill>
-                <a:effectLst/>
-                <a:uLnTx/>
-                <a:uFillTx/>
-                <a:latin typeface="+mn-lt"/>
-                <a:cs typeface="Arial"/>
-              </a:rPr>
-              <a:t>2018 </a:t>
-            </a:r>
-            <a:r>
-              <a:rPr kumimoji="0" lang="en-US" sz="900" b="0" i="0" u="none" strike="noStrike" kern="0" cap="none" spc="0" normalizeH="0" baseline="0" noProof="0" dirty="0">
-                <a:ln>
-                  <a:noFill/>
-                </a:ln>
-                <a:solidFill>
-                  <a:sysClr val="window" lastClr="FFFFFF"/>
-                </a:solidFill>
-                <a:effectLst/>
-                <a:uLnTx/>
-                <a:uFillTx/>
-                <a:latin typeface="+mn-lt"/>
-                <a:cs typeface="Arial"/>
-              </a:rPr>
-              <a:t>Cognizant </a:t>
+              <a:t>© 2018 Cognizant </a:t>
             </a:r>
           </a:p>
         </p:txBody>
@@ -4756,7 +4674,7 @@
     <p:sldLayoutId id="2147483711" r:id="rId16"/>
     <p:sldLayoutId id="2147483712" r:id="rId17"/>
   </p:sldLayoutIdLst>
-  <p:hf sldNum="0" hdr="0"/>
+  <p:hf hdr="0" dt="0"/>
   <p:txStyles>
     <p:titleStyle>
       <a:lvl1pPr algn="l" defTabSz="457200" rtl="0" eaLnBrk="1" latinLnBrk="0" hangingPunct="1">
@@ -5049,7 +4967,7 @@
           <a:p>
             <a:fld id="{5274EAF5-F5E3-40D1-973E-CBB3F7833ADE}" type="datetime2">
               <a:rPr lang="en-US" smtClean="0"/>
-              <a:t>Friday, July 20, 2018</a:t>
+              <a:t>Sunday, July 22, 2018</a:t>
             </a:fld>
             <a:endParaRPr lang="en-US" dirty="0"/>
           </a:p>
@@ -5076,60 +4994,11 @@
           <a:lstStyle/>
           <a:p>
             <a:r>
-              <a:rPr lang="en-US" dirty="0" smtClean="0"/>
+              <a:rPr lang="en-US" dirty="0"/>
               <a:t>Ecommerce – Real time stream Analytics</a:t>
             </a:r>
           </a:p>
           <a:p>
-            <a:endParaRPr lang="en-US" dirty="0"/>
-          </a:p>
-        </p:txBody>
-      </p:sp>
-      <p:sp>
-        <p:nvSpPr>
-          <p:cNvPr id="4" name="Text Placeholder 3"/>
-          <p:cNvSpPr>
-            <a:spLocks noGrp="1"/>
-          </p:cNvSpPr>
-          <p:nvPr>
-            <p:ph type="body" sz="quarter" idx="15"/>
-          </p:nvPr>
-        </p:nvSpPr>
-        <p:spPr>
-          <a:xfrm>
-            <a:off x="419100" y="3323448"/>
-            <a:ext cx="8284633" cy="446088"/>
-          </a:xfrm>
-        </p:spPr>
-        <p:txBody>
-          <a:bodyPr>
-            <a:normAutofit fontScale="62500" lnSpcReduction="20000"/>
-          </a:bodyPr>
-          <a:lstStyle/>
-          <a:p>
-            <a:r>
-              <a:rPr lang="en-US" dirty="0" smtClean="0"/>
-              <a:t>Devaki	Sundaramurthy	Chandrakala </a:t>
-            </a:r>
-            <a:r>
-              <a:rPr lang="en-US" dirty="0" err="1" smtClean="0"/>
-              <a:t>Revensiddappa</a:t>
-            </a:r>
-            <a:endParaRPr lang="en-US" dirty="0" smtClean="0"/>
-          </a:p>
-          <a:p>
-            <a:r>
-              <a:rPr lang="en-US" dirty="0" smtClean="0"/>
-              <a:t>Sini </a:t>
-            </a:r>
-            <a:r>
-              <a:rPr lang="en-US" dirty="0" err="1" smtClean="0"/>
-              <a:t>Cherukud</a:t>
-            </a:r>
-            <a:r>
-              <a:rPr lang="en-US" dirty="0" smtClean="0"/>
-              <a:t> Manayil	Mohanraj Kanagaraj</a:t>
-            </a:r>
             <a:endParaRPr lang="en-US" dirty="0"/>
           </a:p>
         </p:txBody>
@@ -5158,24 +5027,16 @@
           <a:p>
             <a:pPr algn="r"/>
             <a:r>
-              <a:rPr lang="en-US" dirty="0" smtClean="0">
+              <a:rPr lang="en-US" dirty="0">
                 <a:solidFill>
                   <a:schemeClr val="accent6"/>
                 </a:solidFill>
               </a:rPr>
-              <a:t>- </a:t>
-            </a:r>
-            <a:r>
-              <a:rPr lang="en-US" dirty="0">
-                <a:solidFill>
-                  <a:schemeClr val="accent6"/>
-                </a:solidFill>
-              </a:rPr>
-              <a:t>powered by Apache Kafka &amp; MongoDB</a:t>
-            </a:r>
-          </a:p>
-          <a:p>
-            <a:endParaRPr lang="en-US" dirty="0" err="1" smtClean="0">
+              <a:t>- powered by Apache Kafka &amp; MongoDB</a:t>
+            </a:r>
+          </a:p>
+          <a:p>
+            <a:endParaRPr lang="en-US" dirty="0" err="1">
               <a:solidFill>
                 <a:schemeClr val="tx2"/>
               </a:solidFill>
@@ -5193,13 +5054,6 @@
   <p:clrMapOvr>
     <a:masterClrMapping/>
   </p:clrMapOvr>
-  <p:timing>
-    <p:tnLst>
-      <p:par>
-        <p:cTn id="1" dur="indefinite" restart="never" nodeType="tmRoot"/>
-      </p:par>
-    </p:tnLst>
-  </p:timing>
 </p:sld>
 </file>
 
@@ -5262,18 +5116,13 @@
           <a:lstStyle/>
           <a:p>
             <a:r>
-              <a:rPr lang="en-US" sz="1100" dirty="0" smtClean="0">
+              <a:rPr lang="en-US" sz="1100" dirty="0">
                 <a:solidFill>
                   <a:schemeClr val="tx2"/>
                 </a:solidFill>
               </a:rPr>
               <a:t>Name		: Devaki Sundaramurthy</a:t>
             </a:r>
-            <a:endParaRPr lang="en-US" sz="1100" dirty="0">
-              <a:solidFill>
-                <a:schemeClr val="tx2"/>
-              </a:solidFill>
-            </a:endParaRPr>
           </a:p>
           <a:p>
             <a:r>
@@ -5290,97 +5139,47 @@
                   <a:schemeClr val="tx2"/>
                 </a:solidFill>
               </a:rPr>
-              <a:t> </a:t>
-            </a:r>
-            <a:r>
-              <a:rPr lang="en-US" sz="1100" dirty="0" smtClean="0">
+              <a:t> id		: 190017</a:t>
+            </a:r>
+          </a:p>
+          <a:p>
+            <a:r>
+              <a:rPr lang="en-US" sz="1100" dirty="0">
                 <a:solidFill>
                   <a:schemeClr val="tx2"/>
                 </a:solidFill>
               </a:rPr>
-              <a:t>id		: </a:t>
-            </a:r>
+              <a:t>Project		: Ecommerce-Congo</a:t>
+            </a:r>
+          </a:p>
+          <a:p>
             <a:r>
               <a:rPr lang="en-US" sz="1100" dirty="0">
-                <a:solidFill>
-                  <a:schemeClr val="tx2"/>
-                </a:solidFill>
-              </a:rPr>
-              <a:t>190017</a:t>
-            </a:r>
-          </a:p>
-          <a:p>
-            <a:r>
-              <a:rPr lang="en-US" sz="1100" dirty="0" smtClean="0">
-                <a:solidFill>
-                  <a:schemeClr val="tx2"/>
-                </a:solidFill>
-              </a:rPr>
-              <a:t>Project		:</a:t>
-            </a:r>
-            <a:endParaRPr lang="en-US" sz="1100" dirty="0">
-              <a:solidFill>
-                <a:schemeClr val="tx2"/>
-              </a:solidFill>
-            </a:endParaRPr>
-          </a:p>
-          <a:p>
-            <a:r>
-              <a:rPr lang="en-US" sz="1100" dirty="0" smtClean="0">
                 <a:solidFill>
                   <a:schemeClr val="tx2"/>
                 </a:solidFill>
               </a:rPr>
               <a:t>Account	: Walmart</a:t>
             </a:r>
-            <a:endParaRPr lang="en-US" sz="1100" dirty="0">
-              <a:solidFill>
-                <a:schemeClr val="tx2"/>
-              </a:solidFill>
-            </a:endParaRPr>
-          </a:p>
-          <a:p>
-            <a:r>
-              <a:rPr lang="en-US" sz="1100" dirty="0" smtClean="0">
+          </a:p>
+          <a:p>
+            <a:r>
+              <a:rPr lang="en-US" sz="1100" dirty="0">
                 <a:solidFill>
                   <a:schemeClr val="tx2"/>
                 </a:solidFill>
               </a:rPr>
-              <a:t>Technology	:</a:t>
-            </a:r>
-          </a:p>
-          <a:p>
-            <a:r>
-              <a:rPr lang="en-US" sz="1100" dirty="0" smtClean="0">
+              <a:t>Technology	: JAVA, Kafka, Message broker</a:t>
+            </a:r>
+          </a:p>
+          <a:p>
+            <a:r>
+              <a:rPr lang="en-US" sz="1100" dirty="0">
                 <a:solidFill>
                   <a:schemeClr val="tx2"/>
                 </a:solidFill>
               </a:rPr>
-              <a:t>Location	: </a:t>
-            </a:r>
-            <a:r>
-              <a:rPr lang="en-US" sz="1100" dirty="0">
-                <a:solidFill>
-                  <a:schemeClr val="tx2"/>
-                </a:solidFill>
-              </a:rPr>
-              <a:t>Bentonville </a:t>
-            </a:r>
-            <a:r>
-              <a:rPr lang="en-US" sz="1100" dirty="0" smtClean="0">
-                <a:solidFill>
-                  <a:schemeClr val="tx2"/>
-                </a:solidFill>
-              </a:rPr>
-              <a:t>– AR, </a:t>
-            </a:r>
-            <a:r>
-              <a:rPr lang="en-US" sz="1100" dirty="0">
-                <a:solidFill>
-                  <a:schemeClr val="tx2"/>
-                </a:solidFill>
-              </a:rPr>
-              <a:t>USA</a:t>
+              <a:t>Location	: Bentonville – AR, USA</a:t>
             </a:r>
           </a:p>
         </p:txBody>
@@ -5401,41 +5200,12 @@
           <a:lstStyle/>
           <a:p>
             <a:r>
-              <a:rPr lang="en-US" dirty="0" smtClean="0"/>
+              <a:rPr lang="en-US" dirty="0"/>
               <a:t>About the Team</a:t>
             </a:r>
-            <a:endParaRPr lang="en-US" dirty="0"/>
-          </a:p>
-        </p:txBody>
-      </p:sp>
-      <p:pic>
-        <p:nvPicPr>
-          <p:cNvPr id="4" name="Picture 3"/>
-          <p:cNvPicPr/>
-          <p:nvPr/>
-        </p:nvPicPr>
-        <p:blipFill>
-          <a:blip r:embed="rId2" cstate="print">
-            <a:extLst>
-              <a:ext uri="{28A0092B-C50C-407E-A947-70E740481C1C}">
-                <a14:useLocalDpi xmlns:a14="http://schemas.microsoft.com/office/drawing/2010/main" val="0"/>
-              </a:ext>
-            </a:extLst>
-          </a:blip>
-          <a:stretch>
-            <a:fillRect/>
-          </a:stretch>
-        </p:blipFill>
-        <p:spPr>
-          <a:xfrm>
-            <a:off x="3556101" y="956099"/>
-            <a:ext cx="869315" cy="722630"/>
-          </a:xfrm>
-          <a:prstGeom prst="rect">
-            <a:avLst/>
-          </a:prstGeom>
-        </p:spPr>
-      </p:pic>
+          </a:p>
+        </p:txBody>
+      </p:sp>
       <p:sp>
         <p:nvSpPr>
           <p:cNvPr id="8" name="Round Diagonal Corner Rectangle 7"/>
@@ -5478,7 +5248,7 @@
           <a:lstStyle/>
           <a:p>
             <a:r>
-              <a:rPr lang="en-US" sz="1100" dirty="0" smtClean="0">
+              <a:rPr lang="en-US" sz="1100" dirty="0">
                 <a:solidFill>
                   <a:schemeClr val="tx2"/>
                 </a:solidFill>
@@ -5486,7 +5256,7 @@
               <a:t>Name		: Chandrakala </a:t>
             </a:r>
             <a:r>
-              <a:rPr lang="en-US" sz="1100" dirty="0" err="1" smtClean="0">
+              <a:rPr lang="en-US" sz="1100" dirty="0" err="1">
                 <a:solidFill>
                   <a:schemeClr val="tx2"/>
                 </a:solidFill>
@@ -5514,71 +5284,45 @@
                   <a:schemeClr val="tx2"/>
                 </a:solidFill>
               </a:rPr>
-              <a:t> </a:t>
-            </a:r>
-            <a:r>
-              <a:rPr lang="en-US" sz="1100" dirty="0" smtClean="0">
+              <a:t> id		: 176502</a:t>
+            </a:r>
+          </a:p>
+          <a:p>
+            <a:r>
+              <a:rPr lang="en-US" sz="1100" dirty="0">
                 <a:solidFill>
                   <a:schemeClr val="tx2"/>
                 </a:solidFill>
               </a:rPr>
-              <a:t>id		: </a:t>
-            </a:r>
+              <a:t>Project		: RMT Development</a:t>
+            </a:r>
+          </a:p>
+          <a:p>
             <a:r>
               <a:rPr lang="en-US" sz="1100" dirty="0">
                 <a:solidFill>
                   <a:schemeClr val="tx2"/>
                 </a:solidFill>
               </a:rPr>
-              <a:t>176502</a:t>
-            </a:r>
-          </a:p>
-          <a:p>
-            <a:r>
-              <a:rPr lang="en-US" sz="1100" dirty="0" smtClean="0">
+              <a:t>Account	: Metropolitan Life Insurance </a:t>
+            </a:r>
+          </a:p>
+          <a:p>
+            <a:r>
+              <a:rPr lang="en-US" sz="1100" dirty="0">
                 <a:solidFill>
                   <a:schemeClr val="tx2"/>
                 </a:solidFill>
               </a:rPr>
-              <a:t>Project		: </a:t>
-            </a:r>
-          </a:p>
-          <a:p>
-            <a:r>
-              <a:rPr lang="en-US" sz="1100" dirty="0" smtClean="0">
+              <a:t>Technology	: Message Broker, </a:t>
+            </a:r>
+            <a:r>
+              <a:rPr lang="en-US" sz="1100" dirty="0" err="1">
                 <a:solidFill>
                   <a:schemeClr val="tx2"/>
                 </a:solidFill>
               </a:rPr>
-              <a:t>Account	: </a:t>
-            </a:r>
-            <a:r>
-              <a:rPr lang="en-US" sz="1100" dirty="0">
-                <a:solidFill>
-                  <a:schemeClr val="tx2"/>
-                </a:solidFill>
-              </a:rPr>
-              <a:t>Metropolitan Life Insurance </a:t>
-            </a:r>
-          </a:p>
-          <a:p>
-            <a:r>
-              <a:rPr lang="en-US" sz="1100" dirty="0" smtClean="0">
-                <a:solidFill>
-                  <a:schemeClr val="tx2"/>
-                </a:solidFill>
-              </a:rPr>
-              <a:t>Technology	:</a:t>
-            </a:r>
-          </a:p>
-          <a:p>
-            <a:r>
-              <a:rPr lang="en-US" sz="1100" dirty="0" smtClean="0">
-                <a:solidFill>
-                  <a:schemeClr val="tx2"/>
-                </a:solidFill>
-              </a:rPr>
-              <a:t>Location	: Bangalore, India</a:t>
+              <a:t>WebMethods</a:t>
             </a:r>
             <a:endParaRPr lang="en-US" sz="1100" dirty="0">
               <a:solidFill>
@@ -5586,36 +5330,18 @@
               </a:solidFill>
             </a:endParaRPr>
           </a:p>
-        </p:txBody>
-      </p:sp>
-      <p:pic>
-        <p:nvPicPr>
-          <p:cNvPr id="9" name="Picture 8"/>
-          <p:cNvPicPr/>
-          <p:nvPr/>
-        </p:nvPicPr>
-        <p:blipFill>
-          <a:blip r:embed="rId2" cstate="print">
-            <a:extLst>
-              <a:ext uri="{28A0092B-C50C-407E-A947-70E740481C1C}">
-                <a14:useLocalDpi xmlns:a14="http://schemas.microsoft.com/office/drawing/2010/main" val="0"/>
-              </a:ext>
-            </a:extLst>
-          </a:blip>
-          <a:stretch>
-            <a:fillRect/>
-          </a:stretch>
-        </p:blipFill>
-        <p:spPr>
-          <a:xfrm>
-            <a:off x="7765133" y="956102"/>
-            <a:ext cx="869315" cy="722630"/>
-          </a:xfrm>
-          <a:prstGeom prst="rect">
-            <a:avLst/>
-          </a:prstGeom>
-        </p:spPr>
-      </p:pic>
+          <a:p>
+            <a:r>
+              <a:rPr lang="en-US" sz="1100" dirty="0">
+                <a:solidFill>
+                  <a:schemeClr val="tx2"/>
+                </a:solidFill>
+              </a:rPr>
+              <a:t>Location	: Bangalore, India</a:t>
+            </a:r>
+          </a:p>
+        </p:txBody>
+      </p:sp>
       <p:sp>
         <p:nvSpPr>
           <p:cNvPr id="10" name="Round Diagonal Corner Rectangle 9"/>
@@ -5663,21 +5389,8 @@
                   <a:schemeClr val="tx2"/>
                 </a:solidFill>
               </a:rPr>
-              <a:t>Name	</a:t>
-            </a:r>
-            <a:r>
-              <a:rPr lang="en-US" sz="1100" dirty="0" smtClean="0">
-                <a:solidFill>
-                  <a:schemeClr val="tx2"/>
-                </a:solidFill>
-              </a:rPr>
-              <a:t>	: Sini Cherukad Manayil</a:t>
-            </a:r>
-            <a:endParaRPr lang="en-US" sz="1100" dirty="0">
-              <a:solidFill>
-                <a:schemeClr val="tx2"/>
-              </a:solidFill>
-            </a:endParaRPr>
+              <a:t>Name		: Sini Cherukad Manayil</a:t>
+            </a:r>
           </a:p>
           <a:p>
             <a:r>
@@ -5694,15 +5407,25 @@
                   <a:schemeClr val="tx2"/>
                 </a:solidFill>
               </a:rPr>
-              <a:t> </a:t>
-            </a:r>
-            <a:r>
-              <a:rPr lang="en-US" sz="1100" dirty="0" smtClean="0">
+              <a:t> id		: 440590</a:t>
+            </a:r>
+          </a:p>
+          <a:p>
+            <a:r>
+              <a:rPr lang="en-US" sz="1100" dirty="0">
                 <a:solidFill>
                   <a:schemeClr val="tx2"/>
                 </a:solidFill>
               </a:rPr>
-              <a:t>id		: </a:t>
+              <a:t>Project		: </a:t>
+            </a:r>
+            <a:r>
+              <a:rPr lang="en-US" sz="1100" dirty="0" err="1">
+                <a:solidFill>
+                  <a:schemeClr val="tx2"/>
+                </a:solidFill>
+              </a:rPr>
+              <a:t>Ernt&amp;Lego</a:t>
             </a:r>
             <a:r>
               <a:rPr lang="en-US" sz="1100" dirty="0">
@@ -5710,94 +5433,57 @@
                   <a:schemeClr val="tx2"/>
                 </a:solidFill>
               </a:rPr>
-              <a:t>440590</a:t>
-            </a:r>
-          </a:p>
-          <a:p>
-            <a:r>
-              <a:rPr lang="en-US" sz="1100" dirty="0" smtClean="0">
-                <a:solidFill>
-                  <a:schemeClr val="tx2"/>
-                </a:solidFill>
-              </a:rPr>
-              <a:t>Project		:</a:t>
-            </a:r>
-            <a:endParaRPr lang="en-US" sz="1100" dirty="0">
-              <a:solidFill>
-                <a:schemeClr val="tx2"/>
-              </a:solidFill>
-            </a:endParaRPr>
-          </a:p>
-          <a:p>
-            <a:r>
-              <a:rPr lang="en-US" sz="1100" dirty="0" smtClean="0">
+              <a:t> Horizon - Supply</a:t>
+            </a:r>
+          </a:p>
+          <a:p>
+            <a:r>
+              <a:rPr lang="en-US" sz="1100" dirty="0">
                 <a:solidFill>
                   <a:schemeClr val="tx2"/>
                 </a:solidFill>
               </a:rPr>
               <a:t>Account	: Lego </a:t>
             </a:r>
-            <a:endParaRPr lang="en-US" sz="1100" dirty="0">
-              <a:solidFill>
-                <a:schemeClr val="tx2"/>
-              </a:solidFill>
-            </a:endParaRPr>
-          </a:p>
-          <a:p>
-            <a:r>
-              <a:rPr lang="en-US" sz="1100" dirty="0" smtClean="0">
+          </a:p>
+          <a:p>
+            <a:r>
+              <a:rPr lang="en-US" sz="1100" dirty="0">
                 <a:solidFill>
                   <a:schemeClr val="tx2"/>
                 </a:solidFill>
               </a:rPr>
-              <a:t>Technology	:</a:t>
-            </a:r>
-          </a:p>
-          <a:p>
-            <a:r>
-              <a:rPr lang="en-US" sz="1100" dirty="0" smtClean="0">
+              <a:t>Technology	: SAG </a:t>
+            </a:r>
+            <a:r>
+              <a:rPr lang="en-US" sz="1100" dirty="0" err="1">
+                <a:solidFill>
+                  <a:schemeClr val="tx2"/>
+                </a:solidFill>
+              </a:rPr>
+              <a:t>WebMethods</a:t>
+            </a:r>
+            <a:r>
+              <a:rPr lang="en-US" sz="1100" dirty="0">
+                <a:solidFill>
+                  <a:schemeClr val="tx2"/>
+                </a:solidFill>
+              </a:rPr>
+              <a:t>, JAVA</a:t>
+            </a:r>
+          </a:p>
+          <a:p>
+            <a:r>
+              <a:rPr lang="en-US" sz="1100" dirty="0">
                 <a:solidFill>
                   <a:schemeClr val="tx2"/>
                 </a:solidFill>
               </a:rPr>
               <a:t>Location	: Bangalore, India</a:t>
             </a:r>
-            <a:endParaRPr lang="en-US" sz="1100" dirty="0">
-              <a:solidFill>
-                <a:schemeClr val="tx2"/>
-              </a:solidFill>
-            </a:endParaRPr>
-          </a:p>
-        </p:txBody>
-      </p:sp>
-      <p:pic>
-        <p:nvPicPr>
-          <p:cNvPr id="11" name="Picture 10"/>
-          <p:cNvPicPr/>
-          <p:nvPr/>
-        </p:nvPicPr>
-        <p:blipFill>
-          <a:blip r:embed="rId2" cstate="print">
-            <a:extLst>
-              <a:ext uri="{28A0092B-C50C-407E-A947-70E740481C1C}">
-                <a14:useLocalDpi xmlns:a14="http://schemas.microsoft.com/office/drawing/2010/main" val="0"/>
-              </a:ext>
-            </a:extLst>
-          </a:blip>
-          <a:stretch>
-            <a:fillRect/>
-          </a:stretch>
-        </p:blipFill>
-        <p:spPr>
-          <a:xfrm>
-            <a:off x="3556102" y="2694157"/>
-            <a:ext cx="869315" cy="722630"/>
-          </a:xfrm>
-          <a:prstGeom prst="rect">
-            <a:avLst/>
-          </a:prstGeom>
-        </p:spPr>
-      </p:pic>
+          </a:p>
+        </p:txBody>
+      </p:sp>
       <p:sp>
         <p:nvSpPr>
           <p:cNvPr id="12" name="Round Diagonal Corner Rectangle 11"/>
@@ -5845,23 +5531,7 @@
                   <a:schemeClr val="tx2"/>
                 </a:solidFill>
               </a:rPr>
-              <a:t>Name	</a:t>
-            </a:r>
-            <a:r>
-              <a:rPr lang="en-US" sz="1100" dirty="0" smtClean="0">
-                <a:solidFill>
-                  <a:schemeClr val="tx2"/>
-                </a:solidFill>
-              </a:rPr>
-              <a:t>	: </a:t>
-            </a:r>
-            <a:r>
-              <a:rPr lang="en-US" sz="1100" dirty="0">
-                <a:solidFill>
-                  <a:schemeClr val="tx2"/>
-                </a:solidFill>
-              </a:rPr>
-              <a:t>Mohanraj Kanagaraj</a:t>
+              <a:t>Name		: Mohanraj Kanagaraj</a:t>
             </a:r>
           </a:p>
           <a:p>
@@ -5879,109 +5549,48 @@
                   <a:schemeClr val="tx2"/>
                 </a:solidFill>
               </a:rPr>
-              <a:t> </a:t>
-            </a:r>
-            <a:r>
-              <a:rPr lang="en-US" sz="1100" dirty="0" smtClean="0">
+              <a:t> id		: 165071</a:t>
+            </a:r>
+          </a:p>
+          <a:p>
+            <a:r>
+              <a:rPr lang="en-US" sz="1100" dirty="0">
                 <a:solidFill>
                   <a:schemeClr val="tx2"/>
                 </a:solidFill>
               </a:rPr>
-              <a:t>id		: </a:t>
-            </a:r>
+              <a:t>Project		: SPI Design &amp; Development</a:t>
+            </a:r>
+          </a:p>
+          <a:p>
             <a:r>
               <a:rPr lang="en-US" sz="1100" dirty="0">
                 <a:solidFill>
                   <a:schemeClr val="tx2"/>
                 </a:solidFill>
               </a:rPr>
-              <a:t>165071</a:t>
-            </a:r>
-          </a:p>
-          <a:p>
-            <a:r>
-              <a:rPr lang="en-US" sz="1100" dirty="0" smtClean="0">
+              <a:t>Account	: Metropolitan Life Insurance </a:t>
+            </a:r>
+          </a:p>
+          <a:p>
+            <a:r>
+              <a:rPr lang="en-US" sz="1100" dirty="0">
                 <a:solidFill>
                   <a:schemeClr val="tx2"/>
                 </a:solidFill>
               </a:rPr>
-              <a:t>Project		: SPI Design </a:t>
-            </a:r>
+              <a:t>Technology	: Microservices, JAVA</a:t>
+            </a:r>
+          </a:p>
+          <a:p>
             <a:r>
               <a:rPr lang="en-US" sz="1100" dirty="0">
-                <a:solidFill>
-                  <a:schemeClr val="tx2"/>
-                </a:solidFill>
-              </a:rPr>
-              <a:t>&amp; Development</a:t>
-            </a:r>
-          </a:p>
-          <a:p>
-            <a:r>
-              <a:rPr lang="en-US" sz="1100" dirty="0" smtClean="0">
-                <a:solidFill>
-                  <a:schemeClr val="tx2"/>
-                </a:solidFill>
-              </a:rPr>
-              <a:t>Account	: </a:t>
-            </a:r>
-            <a:r>
-              <a:rPr lang="en-US" sz="1100" dirty="0">
-                <a:solidFill>
-                  <a:schemeClr val="tx2"/>
-                </a:solidFill>
-              </a:rPr>
-              <a:t>Metropolitan Life Insurance </a:t>
-            </a:r>
-          </a:p>
-          <a:p>
-            <a:r>
-              <a:rPr lang="en-US" sz="1100" dirty="0" smtClean="0">
-                <a:solidFill>
-                  <a:schemeClr val="tx2"/>
-                </a:solidFill>
-              </a:rPr>
-              <a:t>Technology	: </a:t>
-            </a:r>
-            <a:r>
-              <a:rPr lang="en-US" sz="1100" dirty="0" err="1">
-                <a:solidFill>
-                  <a:schemeClr val="tx2"/>
-                </a:solidFill>
-              </a:rPr>
-              <a:t>Microservices</a:t>
-            </a:r>
-            <a:r>
-              <a:rPr lang="en-US" sz="1100" dirty="0">
-                <a:solidFill>
-                  <a:schemeClr val="tx2"/>
-                </a:solidFill>
-              </a:rPr>
-              <a:t>, JAVA, </a:t>
-            </a:r>
-            <a:r>
-              <a:rPr lang="en-US" sz="1100" dirty="0" smtClean="0">
-                <a:solidFill>
-                  <a:schemeClr val="tx2"/>
-                </a:solidFill>
-              </a:rPr>
-              <a:t>Python</a:t>
-            </a:r>
-          </a:p>
-          <a:p>
-            <a:r>
-              <a:rPr lang="en-US" sz="1100" dirty="0" smtClean="0">
                 <a:solidFill>
                   <a:schemeClr val="tx2"/>
                 </a:solidFill>
               </a:rPr>
               <a:t>Location	: Chennai, India</a:t>
             </a:r>
-            <a:endParaRPr lang="en-US" sz="1100" dirty="0">
-              <a:solidFill>
-                <a:schemeClr val="tx2"/>
-              </a:solidFill>
-            </a:endParaRPr>
           </a:p>
         </p:txBody>
       </p:sp>
@@ -6013,6 +5622,158 @@
           </a:prstGeom>
         </p:spPr>
       </p:pic>
+      <p:sp>
+        <p:nvSpPr>
+          <p:cNvPr id="3" name="TextBox 2">
+            <a:extLst>
+              <a:ext uri="{FF2B5EF4-FFF2-40B4-BE49-F238E27FC236}">
+                <a16:creationId xmlns:a16="http://schemas.microsoft.com/office/drawing/2014/main" id="{81F635DD-2C7C-244A-BAD7-B946E45BF223}"/>
+              </a:ext>
+            </a:extLst>
+          </p:cNvPr>
+          <p:cNvSpPr txBox="1"/>
+          <p:nvPr/>
+        </p:nvSpPr>
+        <p:spPr>
+          <a:xfrm>
+            <a:off x="122548" y="4779390"/>
+            <a:ext cx="387002" cy="276999"/>
+          </a:xfrm>
+          <a:prstGeom prst="rect">
+            <a:avLst/>
+          </a:prstGeom>
+          <a:noFill/>
+        </p:spPr>
+        <p:txBody>
+          <a:bodyPr wrap="square" rtlCol="0">
+            <a:spAutoFit/>
+          </a:bodyPr>
+          <a:lstStyle/>
+          <a:p>
+            <a:fld id="{7F5A83DC-3BD0-264E-AE19-8F923C55F9B2}" type="slidenum">
+              <a:rPr lang="en-US" sz="1200" smtClean="0">
+                <a:solidFill>
+                  <a:schemeClr val="bg1"/>
+                </a:solidFill>
+              </a:rPr>
+              <a:t>2</a:t>
+            </a:fld>
+            <a:endParaRPr lang="en-US" sz="1200" dirty="0" err="1">
+              <a:solidFill>
+                <a:schemeClr val="bg1"/>
+              </a:solidFill>
+            </a:endParaRPr>
+          </a:p>
+        </p:txBody>
+      </p:sp>
+      <p:pic>
+        <p:nvPicPr>
+          <p:cNvPr id="15" name="Picture 14">
+            <a:extLst>
+              <a:ext uri="{FF2B5EF4-FFF2-40B4-BE49-F238E27FC236}">
+                <a16:creationId xmlns:a16="http://schemas.microsoft.com/office/drawing/2014/main" id="{F6FDC1F4-9BEA-A84B-A50F-38C5466258A6}"/>
+              </a:ext>
+            </a:extLst>
+          </p:cNvPr>
+          <p:cNvPicPr>
+            <a:picLocks noChangeAspect="1"/>
+          </p:cNvPicPr>
+          <p:nvPr/>
+        </p:nvPicPr>
+        <p:blipFill>
+          <a:blip r:embed="rId3">
+            <a:extLst>
+              <a:ext uri="{28A0092B-C50C-407E-A947-70E740481C1C}">
+                <a14:useLocalDpi xmlns:a14="http://schemas.microsoft.com/office/drawing/2010/main" val="0"/>
+              </a:ext>
+            </a:extLst>
+          </a:blip>
+          <a:stretch>
+            <a:fillRect/>
+          </a:stretch>
+        </p:blipFill>
+        <p:spPr>
+          <a:xfrm>
+            <a:off x="3487918" y="972199"/>
+            <a:ext cx="937499" cy="759399"/>
+          </a:xfrm>
+          <a:prstGeom prst="rect">
+            <a:avLst/>
+          </a:prstGeom>
+        </p:spPr>
+      </p:pic>
+      <p:pic>
+        <p:nvPicPr>
+          <p:cNvPr id="17" name="Picture 16">
+            <a:extLst>
+              <a:ext uri="{FF2B5EF4-FFF2-40B4-BE49-F238E27FC236}">
+                <a16:creationId xmlns:a16="http://schemas.microsoft.com/office/drawing/2014/main" id="{15680777-C327-BB44-9277-76A73C4AE9C9}"/>
+              </a:ext>
+            </a:extLst>
+          </p:cNvPr>
+          <p:cNvPicPr>
+            <a:picLocks noChangeAspect="1"/>
+          </p:cNvPicPr>
+          <p:nvPr/>
+        </p:nvPicPr>
+        <p:blipFill>
+          <a:blip r:embed="rId4">
+            <a:extLst>
+              <a:ext uri="{28A0092B-C50C-407E-A947-70E740481C1C}">
+                <a14:useLocalDpi xmlns:a14="http://schemas.microsoft.com/office/drawing/2010/main" val="0"/>
+              </a:ext>
+            </a:extLst>
+          </a:blip>
+          <a:stretch>
+            <a:fillRect/>
+          </a:stretch>
+        </p:blipFill>
+        <p:spPr>
+          <a:xfrm>
+            <a:off x="7849198" y="962772"/>
+            <a:ext cx="789784" cy="735316"/>
+          </a:xfrm>
+          <a:prstGeom prst="rect">
+            <a:avLst/>
+          </a:prstGeom>
+        </p:spPr>
+      </p:pic>
+      <p:pic>
+        <p:nvPicPr>
+          <p:cNvPr id="21" name="Picture 20">
+            <a:extLst>
+              <a:ext uri="{FF2B5EF4-FFF2-40B4-BE49-F238E27FC236}">
+                <a16:creationId xmlns:a16="http://schemas.microsoft.com/office/drawing/2014/main" id="{B97B65AB-3DE2-814C-A5EB-8E659DA40D0B}"/>
+              </a:ext>
+            </a:extLst>
+          </p:cNvPr>
+          <p:cNvPicPr>
+            <a:picLocks noChangeAspect="1"/>
+          </p:cNvPicPr>
+          <p:nvPr/>
+        </p:nvPicPr>
+        <p:blipFill>
+          <a:blip r:embed="rId5">
+            <a:extLst>
+              <a:ext uri="{28A0092B-C50C-407E-A947-70E740481C1C}">
+                <a14:useLocalDpi xmlns:a14="http://schemas.microsoft.com/office/drawing/2010/main" val="0"/>
+              </a:ext>
+            </a:extLst>
+          </a:blip>
+          <a:stretch>
+            <a:fillRect/>
+          </a:stretch>
+        </p:blipFill>
+        <p:spPr>
+          <a:xfrm>
+            <a:off x="3656926" y="2694157"/>
+            <a:ext cx="782451" cy="885323"/>
+          </a:xfrm>
+          <a:prstGeom prst="rect">
+            <a:avLst/>
+          </a:prstGeom>
+        </p:spPr>
+      </p:pic>
     </p:spTree>
     <p:extLst>
       <p:ext uri="{BB962C8B-B14F-4D97-AF65-F5344CB8AC3E}">
@@ -6023,13 +5784,6 @@
   <p:clrMapOvr>
     <a:masterClrMapping/>
   </p:clrMapOvr>
-  <p:timing>
-    <p:tnLst>
-      <p:par>
-        <p:cTn id="1" dur="indefinite" restart="never" nodeType="tmRoot"/>
-      </p:par>
-    </p:tnLst>
-  </p:timing>
 </p:sld>
 </file>
 
@@ -6074,10 +5828,9 @@
           <a:p>
             <a:pPr algn="just"/>
             <a:r>
-              <a:rPr lang="en-US" dirty="0" smtClean="0"/>
-              <a:t>Traditional ecommerce transaction events are enriched using a stream engine in real time to produce valuable statistics and data which in turn aid a retail store manager to run his store effectively and efficiently. </a:t>
-            </a:r>
-            <a:endParaRPr lang="en-US" dirty="0"/>
+              <a:rPr lang="en-US" dirty="0"/>
+              <a:t>Traditional ecommerce transactions are enriched using a stream engine in real time to produce valuable statistics and data which in turn helps retail store manager to run the store effectively and efficiently. </a:t>
+            </a:r>
           </a:p>
         </p:txBody>
       </p:sp>
@@ -6120,8 +5873,8 @@
           <a:p>
             <a:pPr algn="just"/>
             <a:r>
-              <a:rPr lang="en-US" dirty="0" smtClean="0"/>
-              <a:t>Stream Analytics results would help a store manager to </a:t>
+              <a:rPr lang="en-US" dirty="0"/>
+              <a:t>Real Time Stream Analytics would help a store manager to </a:t>
             </a:r>
           </a:p>
           <a:p>
@@ -6131,11 +5884,7 @@
             </a:pPr>
             <a:r>
               <a:rPr lang="en-US" sz="1500" dirty="0"/>
-              <a:t>h</a:t>
-            </a:r>
-            <a:r>
-              <a:rPr lang="en-US" sz="1500" dirty="0" smtClean="0"/>
-              <a:t>ave up to date order &amp; sales handy</a:t>
+              <a:t>have up to date order &amp; sales handy</a:t>
             </a:r>
           </a:p>
           <a:p>
@@ -6145,11 +5894,7 @@
             </a:pPr>
             <a:r>
               <a:rPr lang="en-US" sz="1500" dirty="0"/>
-              <a:t>l</a:t>
-            </a:r>
-            <a:r>
-              <a:rPr lang="en-US" sz="1500" dirty="0" smtClean="0"/>
-              <a:t>ive statistics on the order counts by product</a:t>
+              <a:t>live statistics on the order counts by product</a:t>
             </a:r>
           </a:p>
           <a:p>
@@ -6159,11 +5904,7 @@
             </a:pPr>
             <a:r>
               <a:rPr lang="en-US" sz="1500" dirty="0"/>
-              <a:t>r</a:t>
-            </a:r>
-            <a:r>
-              <a:rPr lang="en-US" sz="1500" dirty="0" smtClean="0"/>
-              <a:t>eal time view of the top trending products</a:t>
+              <a:t>real time view of the top trending products</a:t>
             </a:r>
           </a:p>
           <a:p>
@@ -6173,11 +5914,7 @@
             </a:pPr>
             <a:r>
               <a:rPr lang="en-US" sz="1500" dirty="0"/>
-              <a:t>k</a:t>
-            </a:r>
-            <a:r>
-              <a:rPr lang="en-US" sz="1500" dirty="0" smtClean="0"/>
-              <a:t>eep the packaging team’s performance within SLA</a:t>
+              <a:t>keep the packaging team’s performance within SLA</a:t>
             </a:r>
           </a:p>
           <a:p>
@@ -6186,7 +5923,7 @@
               <a:buChar char="Ø"/>
             </a:pPr>
             <a:r>
-              <a:rPr lang="en-US" sz="1500" dirty="0" smtClean="0"/>
+              <a:rPr lang="en-US" sz="1500" dirty="0"/>
               <a:t>full control of the store functioning</a:t>
             </a:r>
           </a:p>
@@ -6195,7 +5932,7 @@
               <a:buFont typeface="Wingdings" panose="05000000000000000000" pitchFamily="2" charset="2"/>
               <a:buChar char="Ø"/>
             </a:pPr>
-            <a:endParaRPr lang="en-US" sz="1600" dirty="0" smtClean="0"/>
+            <a:endParaRPr lang="en-US" sz="1600" dirty="0"/>
           </a:p>
         </p:txBody>
       </p:sp>
@@ -6215,10 +5952,9 @@
           <a:lstStyle/>
           <a:p>
             <a:r>
-              <a:rPr lang="en-US" dirty="0" smtClean="0"/>
+              <a:rPr lang="en-US" dirty="0"/>
               <a:t>Use Case</a:t>
             </a:r>
-            <a:endParaRPr lang="en-US" dirty="0"/>
           </a:p>
         </p:txBody>
       </p:sp>
@@ -6252,6 +5988,50 @@
           </a:prstGeom>
         </p:spPr>
       </p:pic>
+      <p:sp>
+        <p:nvSpPr>
+          <p:cNvPr id="15" name="TextBox 14">
+            <a:extLst>
+              <a:ext uri="{FF2B5EF4-FFF2-40B4-BE49-F238E27FC236}">
+                <a16:creationId xmlns:a16="http://schemas.microsoft.com/office/drawing/2014/main" id="{A4B80179-3F4B-AD43-A095-4002EC75871C}"/>
+              </a:ext>
+            </a:extLst>
+          </p:cNvPr>
+          <p:cNvSpPr txBox="1"/>
+          <p:nvPr/>
+        </p:nvSpPr>
+        <p:spPr>
+          <a:xfrm>
+            <a:off x="122548" y="4779390"/>
+            <a:ext cx="387002" cy="276999"/>
+          </a:xfrm>
+          <a:prstGeom prst="rect">
+            <a:avLst/>
+          </a:prstGeom>
+          <a:noFill/>
+        </p:spPr>
+        <p:txBody>
+          <a:bodyPr wrap="square" rtlCol="0">
+            <a:spAutoFit/>
+          </a:bodyPr>
+          <a:lstStyle/>
+          <a:p>
+            <a:fld id="{7F5A83DC-3BD0-264E-AE19-8F923C55F9B2}" type="slidenum">
+              <a:rPr lang="en-US" sz="1200" smtClean="0">
+                <a:solidFill>
+                  <a:schemeClr val="bg1"/>
+                </a:solidFill>
+              </a:rPr>
+              <a:t>3</a:t>
+            </a:fld>
+            <a:endParaRPr lang="en-US" sz="1200" dirty="0" err="1">
+              <a:solidFill>
+                <a:schemeClr val="bg1"/>
+              </a:solidFill>
+            </a:endParaRPr>
+          </a:p>
+        </p:txBody>
+      </p:sp>
     </p:spTree>
     <p:extLst>
       <p:ext uri="{BB962C8B-B14F-4D97-AF65-F5344CB8AC3E}">
@@ -6262,13 +6042,6 @@
   <p:clrMapOvr>
     <a:masterClrMapping/>
   </p:clrMapOvr>
-  <p:timing>
-    <p:tnLst>
-      <p:par>
-        <p:cTn id="1" dur="indefinite" restart="never" nodeType="tmRoot"/>
-      </p:par>
-    </p:tnLst>
-  </p:timing>
 </p:sld>
 </file>
 
@@ -6289,9 +6062,319 @@
           <a:chExt cx="0" cy="0"/>
         </a:xfrm>
       </p:grpSpPr>
+      <p:sp>
+        <p:nvSpPr>
+          <p:cNvPr id="4" name="Title 3"/>
+          <p:cNvSpPr>
+            <a:spLocks noGrp="1"/>
+          </p:cNvSpPr>
+          <p:nvPr>
+            <p:ph type="title"/>
+          </p:nvPr>
+        </p:nvSpPr>
+        <p:spPr/>
+        <p:txBody>
+          <a:bodyPr/>
+          <a:lstStyle/>
+          <a:p>
+            <a:r>
+              <a:rPr lang="en-US" dirty="0"/>
+              <a:t>Technical Architecture</a:t>
+            </a:r>
+          </a:p>
+        </p:txBody>
+      </p:sp>
+      <p:sp>
+        <p:nvSpPr>
+          <p:cNvPr id="6" name="Rounded Rectangle 5"/>
+          <p:cNvSpPr/>
+          <p:nvPr/>
+        </p:nvSpPr>
+        <p:spPr>
+          <a:xfrm>
+            <a:off x="4746504" y="1498862"/>
+            <a:ext cx="4236952" cy="3066158"/>
+          </a:xfrm>
+          <a:prstGeom prst="roundRect">
+            <a:avLst/>
+          </a:prstGeom>
+          <a:ln/>
+        </p:spPr>
+        <p:style>
+          <a:lnRef idx="2">
+            <a:schemeClr val="accent5"/>
+          </a:lnRef>
+          <a:fillRef idx="1">
+            <a:schemeClr val="lt1"/>
+          </a:fillRef>
+          <a:effectRef idx="0">
+            <a:schemeClr val="accent5"/>
+          </a:effectRef>
+          <a:fontRef idx="minor">
+            <a:schemeClr val="dk1"/>
+          </a:fontRef>
+        </p:style>
+        <p:txBody>
+          <a:bodyPr rtlCol="0" anchor="t"/>
+          <a:lstStyle/>
+          <a:p>
+            <a:pPr marL="285750" indent="-285750" algn="just">
+              <a:buFont typeface="Wingdings" panose="05000000000000000000" pitchFamily="2" charset="2"/>
+              <a:buChar char="q"/>
+            </a:pPr>
+            <a:r>
+              <a:rPr lang="en-US" sz="1050" dirty="0">
+                <a:solidFill>
+                  <a:schemeClr val="tx2"/>
+                </a:solidFill>
+              </a:rPr>
+              <a:t>Ecommerce events were simulated using a SCALA application which keeps generating the events randomly</a:t>
+            </a:r>
+          </a:p>
+          <a:p>
+            <a:pPr marL="285750" indent="-285750" algn="just">
+              <a:buFont typeface="Wingdings" panose="05000000000000000000" pitchFamily="2" charset="2"/>
+              <a:buChar char="q"/>
+            </a:pPr>
+            <a:r>
+              <a:rPr lang="en-US" sz="1050" dirty="0">
+                <a:solidFill>
+                  <a:schemeClr val="tx2"/>
+                </a:solidFill>
+              </a:rPr>
+              <a:t>Event simulator would publish the events to the Kafka topics (Place Order &amp; Order Status)</a:t>
+            </a:r>
+          </a:p>
+          <a:p>
+            <a:pPr marL="285750" indent="-285750" algn="just">
+              <a:buFont typeface="Wingdings" panose="05000000000000000000" pitchFamily="2" charset="2"/>
+              <a:buChar char="q"/>
+            </a:pPr>
+            <a:r>
+              <a:rPr lang="en-US" sz="1050" dirty="0">
+                <a:solidFill>
+                  <a:schemeClr val="tx2"/>
+                </a:solidFill>
+              </a:rPr>
+              <a:t>Kafka stream Java API would get the events from the topic simulator to read the raw event </a:t>
+            </a:r>
+            <a:r>
+              <a:rPr lang="en-US" sz="1050" dirty="0" err="1">
+                <a:solidFill>
+                  <a:schemeClr val="tx2"/>
+                </a:solidFill>
+              </a:rPr>
+              <a:t>json</a:t>
+            </a:r>
+            <a:r>
+              <a:rPr lang="en-US" sz="1050" dirty="0">
+                <a:solidFill>
+                  <a:schemeClr val="tx2"/>
+                </a:solidFill>
+              </a:rPr>
+              <a:t> in real time. </a:t>
+            </a:r>
+          </a:p>
+          <a:p>
+            <a:pPr marL="285750" indent="-285750" algn="just">
+              <a:buFont typeface="Wingdings" panose="05000000000000000000" pitchFamily="2" charset="2"/>
+              <a:buChar char="q"/>
+            </a:pPr>
+            <a:r>
+              <a:rPr lang="en-US" sz="1050" dirty="0">
+                <a:solidFill>
+                  <a:schemeClr val="tx2"/>
+                </a:solidFill>
+              </a:rPr>
+              <a:t>Later it sanitize and process this raw data into an useful dataset which can then be persisted downstream. </a:t>
+            </a:r>
+          </a:p>
+          <a:p>
+            <a:pPr marL="285750" indent="-285750" algn="just">
+              <a:buFont typeface="Wingdings" panose="05000000000000000000" pitchFamily="2" charset="2"/>
+              <a:buChar char="q"/>
+            </a:pPr>
+            <a:r>
+              <a:rPr lang="en-US" sz="1050" dirty="0">
+                <a:solidFill>
+                  <a:schemeClr val="tx2"/>
+                </a:solidFill>
+              </a:rPr>
+              <a:t>Live Stream processed datasets are pushed into topics of the running </a:t>
+            </a:r>
+            <a:r>
+              <a:rPr lang="en-US" sz="1050" dirty="0" err="1">
+                <a:solidFill>
+                  <a:schemeClr val="tx2"/>
+                </a:solidFill>
+              </a:rPr>
+              <a:t>kafka</a:t>
+            </a:r>
+            <a:r>
+              <a:rPr lang="en-US" sz="1050" dirty="0">
+                <a:solidFill>
+                  <a:schemeClr val="tx2"/>
+                </a:solidFill>
+              </a:rPr>
+              <a:t> broker. </a:t>
+            </a:r>
+          </a:p>
+          <a:p>
+            <a:pPr marL="285750" indent="-285750" algn="just">
+              <a:buFont typeface="Wingdings" panose="05000000000000000000" pitchFamily="2" charset="2"/>
+              <a:buChar char="q"/>
+            </a:pPr>
+            <a:r>
+              <a:rPr lang="en-US" sz="1050" dirty="0">
+                <a:solidFill>
+                  <a:schemeClr val="tx2"/>
+                </a:solidFill>
+              </a:rPr>
+              <a:t>Kafka consumer Java API would read these topics from the broker and connect to the Mongo client to insert into respective Mongo Collections. </a:t>
+            </a:r>
+          </a:p>
+          <a:p>
+            <a:pPr marL="285750" indent="-285750" algn="just">
+              <a:buFont typeface="Wingdings" panose="05000000000000000000" pitchFamily="2" charset="2"/>
+              <a:buChar char="q"/>
+            </a:pPr>
+            <a:r>
+              <a:rPr lang="en-US" sz="1050" dirty="0">
+                <a:solidFill>
+                  <a:schemeClr val="tx2"/>
+                </a:solidFill>
+              </a:rPr>
+              <a:t>3 different Mongo collections named Order, Status and Item will be created and stream processed data will be inserted in real time by the consumer java API. </a:t>
+            </a:r>
+          </a:p>
+          <a:p>
+            <a:pPr marL="285750" indent="-285750" algn="just">
+              <a:buFont typeface="Wingdings" panose="05000000000000000000" pitchFamily="2" charset="2"/>
+              <a:buChar char="q"/>
+            </a:pPr>
+            <a:r>
+              <a:rPr lang="en-US" sz="1050" dirty="0">
+                <a:solidFill>
+                  <a:schemeClr val="tx2"/>
+                </a:solidFill>
+              </a:rPr>
+              <a:t>Mongo collections would be read by the NodeJS application to produce </a:t>
+            </a:r>
+            <a:r>
+              <a:rPr lang="en-US" sz="1050" dirty="0" err="1">
+                <a:solidFill>
+                  <a:schemeClr val="tx2"/>
+                </a:solidFill>
+              </a:rPr>
+              <a:t>Highchart</a:t>
+            </a:r>
+            <a:r>
+              <a:rPr lang="en-US" sz="1050" dirty="0">
+                <a:solidFill>
+                  <a:schemeClr val="tx2"/>
+                </a:solidFill>
+              </a:rPr>
+              <a:t> dashboard UI. </a:t>
+            </a:r>
+          </a:p>
+        </p:txBody>
+      </p:sp>
+      <p:sp>
+        <p:nvSpPr>
+          <p:cNvPr id="7" name="TextBox 6">
+            <a:extLst>
+              <a:ext uri="{FF2B5EF4-FFF2-40B4-BE49-F238E27FC236}">
+                <a16:creationId xmlns:a16="http://schemas.microsoft.com/office/drawing/2014/main" id="{AA28EFCD-740D-C044-A0A7-2D0AE830CB38}"/>
+              </a:ext>
+            </a:extLst>
+          </p:cNvPr>
+          <p:cNvSpPr txBox="1"/>
+          <p:nvPr/>
+        </p:nvSpPr>
+        <p:spPr>
+          <a:xfrm>
+            <a:off x="122548" y="4779390"/>
+            <a:ext cx="387002" cy="276999"/>
+          </a:xfrm>
+          <a:prstGeom prst="rect">
+            <a:avLst/>
+          </a:prstGeom>
+          <a:noFill/>
+        </p:spPr>
+        <p:txBody>
+          <a:bodyPr wrap="square" rtlCol="0">
+            <a:spAutoFit/>
+          </a:bodyPr>
+          <a:lstStyle/>
+          <a:p>
+            <a:fld id="{7F5A83DC-3BD0-264E-AE19-8F923C55F9B2}" type="slidenum">
+              <a:rPr lang="en-US" sz="1200" smtClean="0">
+                <a:solidFill>
+                  <a:schemeClr val="bg1"/>
+                </a:solidFill>
+              </a:rPr>
+              <a:t>4</a:t>
+            </a:fld>
+            <a:endParaRPr lang="en-US" sz="1200" dirty="0" err="1">
+              <a:solidFill>
+                <a:schemeClr val="bg1"/>
+              </a:solidFill>
+            </a:endParaRPr>
+          </a:p>
+        </p:txBody>
+      </p:sp>
+      <p:sp>
+        <p:nvSpPr>
+          <p:cNvPr id="2" name="TextBox 1">
+            <a:extLst>
+              <a:ext uri="{FF2B5EF4-FFF2-40B4-BE49-F238E27FC236}">
+                <a16:creationId xmlns:a16="http://schemas.microsoft.com/office/drawing/2014/main" id="{BF7968E2-F548-F146-9B4F-5EA43A8A0642}"/>
+              </a:ext>
+            </a:extLst>
+          </p:cNvPr>
+          <p:cNvSpPr txBox="1"/>
+          <p:nvPr/>
+        </p:nvSpPr>
+        <p:spPr>
+          <a:xfrm>
+            <a:off x="1046378" y="1715679"/>
+            <a:ext cx="1517714" cy="230832"/>
+          </a:xfrm>
+          <a:prstGeom prst="rect">
+            <a:avLst/>
+          </a:prstGeom>
+          <a:solidFill>
+            <a:schemeClr val="bg1">
+              <a:lumMod val="85000"/>
+            </a:schemeClr>
+          </a:solidFill>
+        </p:spPr>
+        <p:txBody>
+          <a:bodyPr wrap="square" rtlCol="0">
+            <a:spAutoFit/>
+          </a:bodyPr>
+          <a:lstStyle/>
+          <a:p>
+            <a:r>
+              <a:rPr lang="en-US" sz="900" dirty="0">
+                <a:solidFill>
+                  <a:schemeClr val="tx2"/>
+                </a:solidFill>
+              </a:rPr>
+              <a:t>KAFKA STREAMING</a:t>
+            </a:r>
+          </a:p>
+        </p:txBody>
+      </p:sp>
       <p:pic>
         <p:nvPicPr>
-          <p:cNvPr id="5" name="Content Placeholder 4"/>
+          <p:cNvPr id="10" name="Content Placeholder 9">
+            <a:extLst>
+              <a:ext uri="{FF2B5EF4-FFF2-40B4-BE49-F238E27FC236}">
+                <a16:creationId xmlns:a16="http://schemas.microsoft.com/office/drawing/2014/main" id="{889D19F1-499C-BD4E-B94E-4337A05719F3}"/>
+              </a:ext>
+            </a:extLst>
+          </p:cNvPr>
           <p:cNvPicPr>
             <a:picLocks noGrp="1" noChangeAspect="1"/>
           </p:cNvPicPr>
@@ -6313,226 +6396,122 @@
         </p:blipFill>
         <p:spPr>
           <a:xfrm>
-            <a:off x="96811" y="1014898"/>
-            <a:ext cx="4482860" cy="3550122"/>
+            <a:off x="247327" y="768431"/>
+            <a:ext cx="4227836" cy="3626905"/>
           </a:xfrm>
         </p:spPr>
       </p:pic>
       <p:sp>
         <p:nvSpPr>
-          <p:cNvPr id="4" name="Title 3"/>
-          <p:cNvSpPr>
-            <a:spLocks noGrp="1"/>
-          </p:cNvSpPr>
-          <p:nvPr>
-            <p:ph type="title"/>
-          </p:nvPr>
-        </p:nvSpPr>
-        <p:spPr/>
-        <p:txBody>
-          <a:bodyPr/>
-          <a:lstStyle/>
-          <a:p>
-            <a:r>
-              <a:rPr lang="en-US" dirty="0" smtClean="0"/>
-              <a:t>Technical Architecture</a:t>
-            </a:r>
-            <a:endParaRPr lang="en-US" dirty="0"/>
-          </a:p>
-        </p:txBody>
-      </p:sp>
-      <p:sp>
-        <p:nvSpPr>
-          <p:cNvPr id="6" name="Rounded Rectangle 5"/>
+          <p:cNvPr id="12" name="Rounded Rectangle 11">
+            <a:extLst>
+              <a:ext uri="{FF2B5EF4-FFF2-40B4-BE49-F238E27FC236}">
+                <a16:creationId xmlns:a16="http://schemas.microsoft.com/office/drawing/2014/main" id="{A384B93A-B357-EC43-81B5-72496023F50B}"/>
+              </a:ext>
+            </a:extLst>
+          </p:cNvPr>
           <p:cNvSpPr/>
           <p:nvPr/>
         </p:nvSpPr>
         <p:spPr>
           <a:xfrm>
-            <a:off x="4746504" y="938115"/>
-            <a:ext cx="4236952" cy="3626905"/>
+            <a:off x="4746504" y="768431"/>
+            <a:ext cx="4236952" cy="664443"/>
           </a:xfrm>
           <a:prstGeom prst="roundRect">
             <a:avLst/>
           </a:prstGeom>
-          <a:ln/>
+          <a:noFill/>
+          <a:ln w="19050">
+            <a:solidFill>
+              <a:schemeClr val="accent5"/>
+            </a:solidFill>
+          </a:ln>
+          <a:effectLst/>
         </p:spPr>
         <p:style>
-          <a:lnRef idx="2">
-            <a:schemeClr val="accent5"/>
+          <a:lnRef idx="1">
+            <a:schemeClr val="accent1"/>
           </a:lnRef>
-          <a:fillRef idx="1">
-            <a:schemeClr val="lt1"/>
+          <a:fillRef idx="3">
+            <a:schemeClr val="accent1"/>
           </a:fillRef>
-          <a:effectRef idx="0">
-            <a:schemeClr val="accent5"/>
+          <a:effectRef idx="2">
+            <a:schemeClr val="accent1"/>
           </a:effectRef>
           <a:fontRef idx="minor">
-            <a:schemeClr val="dk1"/>
+            <a:schemeClr val="lt1"/>
           </a:fontRef>
         </p:style>
         <p:txBody>
-          <a:bodyPr rtlCol="0" anchor="t"/>
+          <a:bodyPr rtlCol="0" anchor="ctr"/>
           <a:lstStyle/>
           <a:p>
-            <a:pPr marL="285750" indent="-285750" algn="just">
-              <a:buFont typeface="Wingdings" panose="05000000000000000000" pitchFamily="2" charset="2"/>
-              <a:buChar char="q"/>
+            <a:pPr algn="ctr"/>
+            <a:endParaRPr lang="en-US" sz="1400" b="1" u="sng" dirty="0">
+              <a:solidFill>
+                <a:schemeClr val="tx2"/>
+              </a:solidFill>
+            </a:endParaRPr>
+          </a:p>
+          <a:p>
+            <a:pPr algn="ctr"/>
+            <a:r>
+              <a:rPr lang="en-US" sz="1400" b="1" u="sng" dirty="0">
+                <a:solidFill>
+                  <a:schemeClr val="tx2"/>
+                </a:solidFill>
+              </a:rPr>
+              <a:t>Technologies Used</a:t>
+            </a:r>
+          </a:p>
+          <a:p>
+            <a:pPr marL="285750" indent="-285750">
+              <a:buFontTx/>
+              <a:buChar char="-"/>
             </a:pPr>
             <a:r>
-              <a:rPr lang="en-US" sz="1050" dirty="0" smtClean="0">
+              <a:rPr lang="en-US" sz="1400" dirty="0">
                 <a:solidFill>
                   <a:schemeClr val="tx2"/>
                 </a:solidFill>
               </a:rPr>
-              <a:t>Ecommerce events were simulated using a Java application which keeps generating the events randomly</a:t>
-            </a:r>
-          </a:p>
-          <a:p>
-            <a:pPr marL="285750" indent="-285750" algn="just">
-              <a:buFont typeface="Wingdings" panose="05000000000000000000" pitchFamily="2" charset="2"/>
-              <a:buChar char="q"/>
+              <a:t>JAVA		- Scala 		- Kafka 	        </a:t>
+            </a:r>
+          </a:p>
+          <a:p>
+            <a:pPr marL="285750" indent="-285750">
+              <a:buFontTx/>
+              <a:buChar char="-"/>
             </a:pPr>
             <a:r>
-              <a:rPr lang="en-US" sz="1050" dirty="0" smtClean="0">
+              <a:rPr lang="en-US" sz="1400" dirty="0">
                 <a:solidFill>
                   <a:schemeClr val="tx2"/>
                 </a:solidFill>
               </a:rPr>
-              <a:t>Kafka zookeeper &amp; Kafka broker will have to be started to keep control of the topics to enable the streaming</a:t>
-            </a:r>
-          </a:p>
-          <a:p>
-            <a:pPr marL="285750" indent="-285750" algn="just">
-              <a:buFont typeface="Wingdings" panose="05000000000000000000" pitchFamily="2" charset="2"/>
-              <a:buChar char="q"/>
-            </a:pPr>
-            <a:r>
-              <a:rPr lang="en-US" sz="1050" dirty="0" smtClean="0">
+              <a:t>NodeJS 	- </a:t>
+            </a:r>
+            <a:r>
+              <a:rPr lang="en-US" sz="1400" dirty="0" err="1">
                 <a:solidFill>
                   <a:schemeClr val="tx2"/>
                 </a:solidFill>
               </a:rPr>
-              <a:t>Kafka stream Java API would connect to the event simulator to read the raw event </a:t>
-            </a:r>
-            <a:r>
-              <a:rPr lang="en-US" sz="1050" dirty="0" err="1" smtClean="0">
+              <a:t>Highchart</a:t>
+            </a:r>
+            <a:r>
+              <a:rPr lang="en-US" sz="1400" dirty="0">
                 <a:solidFill>
                   <a:schemeClr val="tx2"/>
                 </a:solidFill>
               </a:rPr>
-              <a:t>json</a:t>
-            </a:r>
-            <a:r>
-              <a:rPr lang="en-US" sz="1050" dirty="0" smtClean="0">
-                <a:solidFill>
-                  <a:schemeClr val="tx2"/>
-                </a:solidFill>
-              </a:rPr>
-              <a:t> in real time. </a:t>
-            </a:r>
-          </a:p>
-          <a:p>
-            <a:pPr marL="285750" indent="-285750" algn="just">
-              <a:buFont typeface="Wingdings" panose="05000000000000000000" pitchFamily="2" charset="2"/>
-              <a:buChar char="q"/>
-            </a:pPr>
-            <a:r>
-              <a:rPr lang="en-US" sz="1050" dirty="0" smtClean="0">
-                <a:solidFill>
-                  <a:schemeClr val="tx2"/>
-                </a:solidFill>
-              </a:rPr>
-              <a:t>Later it sanitize and process this raw data into an useful dataset which can then be persisted downstream. </a:t>
-            </a:r>
-          </a:p>
-          <a:p>
-            <a:pPr marL="285750" indent="-285750" algn="just">
-              <a:buFont typeface="Wingdings" panose="05000000000000000000" pitchFamily="2" charset="2"/>
-              <a:buChar char="q"/>
-            </a:pPr>
-            <a:r>
-              <a:rPr lang="en-US" sz="1050" dirty="0" smtClean="0">
-                <a:solidFill>
-                  <a:schemeClr val="tx2"/>
-                </a:solidFill>
-              </a:rPr>
-              <a:t>Live Stream processed datasets are pushed into the meaningful topics of the running </a:t>
-            </a:r>
-            <a:r>
-              <a:rPr lang="en-US" sz="1050" dirty="0" err="1" smtClean="0">
-                <a:solidFill>
-                  <a:schemeClr val="tx2"/>
-                </a:solidFill>
-              </a:rPr>
-              <a:t>kafka</a:t>
-            </a:r>
-            <a:r>
-              <a:rPr lang="en-US" sz="1050" dirty="0" smtClean="0">
-                <a:solidFill>
-                  <a:schemeClr val="tx2"/>
-                </a:solidFill>
-              </a:rPr>
-              <a:t> broker. </a:t>
-            </a:r>
-          </a:p>
-          <a:p>
-            <a:pPr marL="285750" indent="-285750" algn="just">
-              <a:buFont typeface="Wingdings" panose="05000000000000000000" pitchFamily="2" charset="2"/>
-              <a:buChar char="q"/>
-            </a:pPr>
-            <a:r>
-              <a:rPr lang="en-US" sz="1050" dirty="0" smtClean="0">
-                <a:solidFill>
-                  <a:schemeClr val="tx2"/>
-                </a:solidFill>
-              </a:rPr>
-              <a:t>Kafka consumer Java API would read these topics from the broker and connect to the Mongo client to insert into respective Mongo Collections. </a:t>
-            </a:r>
-          </a:p>
-          <a:p>
-            <a:pPr marL="285750" indent="-285750" algn="just">
-              <a:buFont typeface="Wingdings" panose="05000000000000000000" pitchFamily="2" charset="2"/>
-              <a:buChar char="q"/>
-            </a:pPr>
-            <a:r>
-              <a:rPr lang="en-US" sz="1050" dirty="0" smtClean="0">
-                <a:solidFill>
-                  <a:schemeClr val="tx2"/>
-                </a:solidFill>
-              </a:rPr>
-              <a:t>3 different Mongo collections named Order, Status and Item will be created and stream processed data will be inserted in real time by the consumer java API. </a:t>
-            </a:r>
-          </a:p>
-          <a:p>
-            <a:pPr marL="285750" indent="-285750" algn="just">
-              <a:buFont typeface="Wingdings" panose="05000000000000000000" pitchFamily="2" charset="2"/>
-              <a:buChar char="q"/>
-            </a:pPr>
-            <a:r>
-              <a:rPr lang="en-US" sz="1050" dirty="0" smtClean="0">
-                <a:solidFill>
-                  <a:schemeClr val="tx2"/>
-                </a:solidFill>
-              </a:rPr>
-              <a:t>Mongo collections would continuously be read by the </a:t>
-            </a:r>
-            <a:r>
-              <a:rPr lang="en-US" sz="1050" dirty="0" err="1" smtClean="0">
-                <a:solidFill>
-                  <a:schemeClr val="tx2"/>
-                </a:solidFill>
-              </a:rPr>
-              <a:t>NodeJS</a:t>
-            </a:r>
-            <a:r>
-              <a:rPr lang="en-US" sz="1050" dirty="0" smtClean="0">
-                <a:solidFill>
-                  <a:schemeClr val="tx2"/>
-                </a:solidFill>
-              </a:rPr>
-              <a:t> application to produce meaningful dashboard in a HTML page. </a:t>
-            </a:r>
+              <a:t>		- MongoDB</a:t>
+            </a:r>
+          </a:p>
+          <a:p>
+            <a:pPr algn="ctr"/>
+            <a:endParaRPr lang="en-US" sz="1400" dirty="0"/>
           </a:p>
         </p:txBody>
       </p:sp>
@@ -6546,13 +6525,6 @@
   <p:clrMapOvr>
     <a:masterClrMapping/>
   </p:clrMapOvr>
-  <p:timing>
-    <p:tnLst>
-      <p:par>
-        <p:cTn id="1" dur="indefinite" restart="never" nodeType="tmRoot"/>
-      </p:par>
-    </p:tnLst>
-  </p:timing>
 </p:sld>
 </file>
 
@@ -6596,7 +6568,7 @@
         </p:spPr>
         <p:txBody>
           <a:bodyPr>
-            <a:normAutofit fontScale="92500" lnSpcReduction="10000"/>
+            <a:normAutofit lnSpcReduction="10000"/>
           </a:bodyPr>
           <a:lstStyle/>
           <a:p>
@@ -6604,7 +6576,7 @@
               <a:buNone/>
             </a:pPr>
             <a:r>
-              <a:rPr lang="en-US" sz="1050" b="1" u="sng" dirty="0" smtClean="0">
+              <a:rPr lang="en-US" sz="1050" b="1" u="sng" dirty="0">
                 <a:solidFill>
                   <a:schemeClr val="tx2"/>
                 </a:solidFill>
@@ -6615,178 +6587,106 @@
           <a:p>
             <a:pPr algn="just"/>
             <a:r>
-              <a:rPr lang="en-US" sz="1050" dirty="0" smtClean="0">
+              <a:rPr lang="en-US" sz="1050" dirty="0">
                 <a:solidFill>
                   <a:schemeClr val="tx2"/>
                 </a:solidFill>
               </a:rPr>
-              <a:t>Banner on total orders received</a:t>
+              <a:t>Total orders received</a:t>
             </a:r>
           </a:p>
           <a:p>
             <a:pPr algn="just"/>
             <a:r>
-              <a:rPr lang="en-US" sz="1050" dirty="0" smtClean="0">
+              <a:rPr lang="en-US" sz="1050" dirty="0">
                 <a:solidFill>
                   <a:schemeClr val="tx2"/>
                 </a:solidFill>
               </a:rPr>
-              <a:t>Banner </a:t>
-            </a:r>
+              <a:t>Total Sales happened</a:t>
+            </a:r>
+          </a:p>
+          <a:p>
+            <a:pPr algn="just"/>
             <a:r>
               <a:rPr lang="en-US" sz="1050" dirty="0">
                 <a:solidFill>
                   <a:schemeClr val="tx2"/>
                 </a:solidFill>
               </a:rPr>
-              <a:t>on total Sales </a:t>
-            </a:r>
-            <a:r>
-              <a:rPr lang="en-US" sz="1050" dirty="0" smtClean="0">
+              <a:t>Count of orders in various order statuses</a:t>
+            </a:r>
+          </a:p>
+          <a:p>
+            <a:pPr algn="just"/>
+            <a:r>
+              <a:rPr lang="en-US" sz="1050" dirty="0">
                 <a:solidFill>
                   <a:schemeClr val="tx2"/>
                 </a:solidFill>
               </a:rPr>
-              <a:t>happened</a:t>
+              <a:t>Top 3 trending items</a:t>
             </a:r>
           </a:p>
           <a:p>
             <a:pPr algn="just"/>
             <a:r>
-              <a:rPr lang="en-US" sz="1050" dirty="0" smtClean="0">
+              <a:rPr lang="en-US" sz="1050" dirty="0">
                 <a:solidFill>
                   <a:schemeClr val="tx2"/>
                 </a:solidFill>
               </a:rPr>
-              <a:t>Bar </a:t>
-            </a:r>
+              <a:t>Pickup Vs Delivery orders</a:t>
+            </a:r>
+          </a:p>
+          <a:p>
+            <a:pPr algn="just"/>
             <a:r>
               <a:rPr lang="en-US" sz="1050" dirty="0">
                 <a:solidFill>
                   <a:schemeClr val="tx2"/>
                 </a:solidFill>
               </a:rPr>
-              <a:t>Graph showing the Pickup Vs Delivery order </a:t>
-            </a:r>
-            <a:r>
-              <a:rPr lang="en-US" sz="1050" dirty="0" smtClean="0">
-                <a:solidFill>
-                  <a:schemeClr val="tx2"/>
-                </a:solidFill>
-              </a:rPr>
-              <a:t>counts</a:t>
-            </a:r>
-          </a:p>
-          <a:p>
-            <a:pPr algn="just"/>
-            <a:r>
-              <a:rPr lang="en-US" sz="1050" dirty="0" smtClean="0">
-                <a:solidFill>
-                  <a:schemeClr val="tx2"/>
-                </a:solidFill>
-              </a:rPr>
-              <a:t>Graph </a:t>
-            </a:r>
-            <a:r>
-              <a:rPr lang="en-US" sz="1050" dirty="0">
-                <a:solidFill>
-                  <a:schemeClr val="tx2"/>
-                </a:solidFill>
-              </a:rPr>
-              <a:t>showing the count of orders in various order </a:t>
-            </a:r>
-            <a:r>
-              <a:rPr lang="en-US" sz="1050" dirty="0" smtClean="0">
-                <a:solidFill>
-                  <a:schemeClr val="tx2"/>
-                </a:solidFill>
-              </a:rPr>
-              <a:t>statuses</a:t>
-            </a:r>
-          </a:p>
-          <a:p>
-            <a:pPr algn="just"/>
-            <a:r>
-              <a:rPr lang="en-US" sz="1050" dirty="0" smtClean="0">
-                <a:solidFill>
-                  <a:schemeClr val="tx2"/>
-                </a:solidFill>
-              </a:rPr>
-              <a:t>Graph </a:t>
-            </a:r>
-            <a:r>
-              <a:rPr lang="en-US" sz="1050" dirty="0">
-                <a:solidFill>
-                  <a:schemeClr val="tx2"/>
-                </a:solidFill>
-              </a:rPr>
-              <a:t>showing the top 3 trending items based on order </a:t>
-            </a:r>
-            <a:r>
-              <a:rPr lang="en-US" sz="1050" dirty="0" smtClean="0">
-                <a:solidFill>
-                  <a:schemeClr val="tx2"/>
-                </a:solidFill>
-              </a:rPr>
-              <a:t>count</a:t>
-            </a:r>
-          </a:p>
-          <a:p>
-            <a:pPr algn="just"/>
-            <a:r>
-              <a:rPr lang="en-US" sz="1050" dirty="0" smtClean="0">
-                <a:solidFill>
-                  <a:schemeClr val="tx2"/>
-                </a:solidFill>
-              </a:rPr>
-              <a:t>Graph </a:t>
-            </a:r>
-            <a:r>
-              <a:rPr lang="en-US" sz="1050" dirty="0">
-                <a:solidFill>
-                  <a:schemeClr val="tx2"/>
-                </a:solidFill>
-              </a:rPr>
-              <a:t>tracking the orders count which are not picked by </a:t>
-            </a:r>
-            <a:r>
-              <a:rPr lang="en-US" sz="1050" dirty="0" smtClean="0">
-                <a:solidFill>
-                  <a:schemeClr val="tx2"/>
-                </a:solidFill>
-              </a:rPr>
-              <a:t>packaging </a:t>
-            </a:r>
-            <a:r>
-              <a:rPr lang="en-US" sz="1050" dirty="0">
-                <a:solidFill>
-                  <a:schemeClr val="tx2"/>
-                </a:solidFill>
-              </a:rPr>
-              <a:t>team over a period of time. </a:t>
-            </a:r>
-          </a:p>
-        </p:txBody>
-      </p:sp>
-      <p:sp>
-        <p:nvSpPr>
-          <p:cNvPr id="3" name="Content Placeholder 2"/>
-          <p:cNvSpPr>
-            <a:spLocks noGrp="1"/>
-          </p:cNvSpPr>
+              <a:t>Tracking the orders which are pending for picking. </a:t>
+            </a:r>
+          </a:p>
+        </p:txBody>
+      </p:sp>
+      <p:pic>
+        <p:nvPicPr>
+          <p:cNvPr id="8" name="Content Placeholder 7">
+            <a:extLst>
+              <a:ext uri="{FF2B5EF4-FFF2-40B4-BE49-F238E27FC236}">
+                <a16:creationId xmlns:a16="http://schemas.microsoft.com/office/drawing/2014/main" id="{F99041E2-D0F7-5842-8F8F-334D6F829E43}"/>
+              </a:ext>
+            </a:extLst>
+          </p:cNvPr>
+          <p:cNvPicPr>
+            <a:picLocks noGrp="1" noChangeAspect="1"/>
+          </p:cNvPicPr>
           <p:nvPr>
             <p:ph sz="quarter" idx="13"/>
           </p:nvPr>
-        </p:nvSpPr>
-        <p:spPr/>
-        <p:txBody>
-          <a:bodyPr/>
-          <a:lstStyle/>
-          <a:p>
-            <a:endParaRPr lang="en-US" dirty="0"/>
-          </a:p>
-        </p:txBody>
-      </p:sp>
+        </p:nvPicPr>
+        <p:blipFill>
+          <a:blip r:embed="rId2">
+            <a:extLst>
+              <a:ext uri="{28A0092B-C50C-407E-A947-70E740481C1C}">
+                <a14:useLocalDpi xmlns:a14="http://schemas.microsoft.com/office/drawing/2010/main" val="0"/>
+              </a:ext>
+            </a:extLst>
+          </a:blip>
+          <a:stretch>
+            <a:fillRect/>
+          </a:stretch>
+        </p:blipFill>
+        <p:spPr>
+          <a:xfrm>
+            <a:off x="4697413" y="996032"/>
+            <a:ext cx="4352319" cy="3497888"/>
+          </a:xfrm>
+        </p:spPr>
+      </p:pic>
       <p:sp>
         <p:nvSpPr>
           <p:cNvPr id="4" name="Title 3"/>
@@ -6803,10 +6703,9 @@
           <a:lstStyle/>
           <a:p>
             <a:r>
-              <a:rPr lang="en-US" dirty="0" smtClean="0"/>
-              <a:t>Live Dashboard results for the Store Manager</a:t>
-            </a:r>
-            <a:endParaRPr lang="en-US" dirty="0"/>
+              <a:rPr lang="en-US" dirty="0"/>
+              <a:t>Real Time Dashboard for the Store Manager</a:t>
+            </a:r>
           </a:p>
         </p:txBody>
       </p:sp>
@@ -6978,18 +6877,18 @@
               <a:buNone/>
             </a:pPr>
             <a:r>
-              <a:rPr lang="en-US" sz="1050" b="1" u="sng" dirty="0" smtClean="0">
+              <a:rPr lang="en-US" sz="1050" b="1" u="sng" dirty="0">
                 <a:solidFill>
                   <a:schemeClr val="tx2"/>
                 </a:solidFill>
               </a:rPr>
-              <a:t>How live stream results help the Store Manager post??</a:t>
+              <a:t>How Real time stream results help the Store Manager??</a:t>
             </a:r>
           </a:p>
           <a:p>
             <a:pPr algn="just"/>
             <a:r>
-              <a:rPr lang="en-US" sz="1050" dirty="0" smtClean="0">
+              <a:rPr lang="en-US" sz="1050" dirty="0">
                 <a:solidFill>
                   <a:schemeClr val="tx2"/>
                 </a:solidFill>
@@ -7000,7 +6899,7 @@
           <a:p>
             <a:pPr algn="just"/>
             <a:r>
-              <a:rPr lang="en-US" sz="1050" dirty="0" smtClean="0">
+              <a:rPr lang="en-US" sz="1050" dirty="0">
                 <a:solidFill>
                   <a:schemeClr val="tx2"/>
                 </a:solidFill>
@@ -7011,7 +6910,7 @@
           <a:p>
             <a:pPr algn="just"/>
             <a:r>
-              <a:rPr lang="en-US" sz="1050" dirty="0" smtClean="0">
+              <a:rPr lang="en-US" sz="1050" dirty="0">
                 <a:solidFill>
                   <a:schemeClr val="tx2"/>
                 </a:solidFill>
@@ -7019,7 +6918,7 @@
               <a:t>Instructs E-</a:t>
             </a:r>
             <a:r>
-              <a:rPr lang="en-US" sz="1050" dirty="0" err="1" smtClean="0">
+              <a:rPr lang="en-US" sz="1050" dirty="0" err="1">
                 <a:solidFill>
                   <a:schemeClr val="tx2"/>
                 </a:solidFill>
@@ -7027,7 +6926,7 @@
               <a:t>Comm</a:t>
             </a:r>
             <a:r>
-              <a:rPr lang="en-US" sz="1050" dirty="0" smtClean="0">
+              <a:rPr lang="en-US" sz="1050" dirty="0">
                 <a:solidFill>
                   <a:schemeClr val="tx2"/>
                 </a:solidFill>
@@ -7038,7 +6937,7 @@
           <a:p>
             <a:pPr algn="just"/>
             <a:r>
-              <a:rPr lang="en-US" sz="1050" dirty="0" smtClean="0">
+              <a:rPr lang="en-US" sz="1050" dirty="0">
                 <a:solidFill>
                   <a:schemeClr val="tx2"/>
                 </a:solidFill>
@@ -7049,16 +6948,55 @@
           <a:p>
             <a:pPr algn="just"/>
             <a:r>
-              <a:rPr lang="en-US" sz="1050" dirty="0" smtClean="0">
+              <a:rPr lang="en-US" sz="1050" dirty="0">
                 <a:solidFill>
                   <a:schemeClr val="tx2"/>
                 </a:solidFill>
               </a:rPr>
-              <a:t>Store manager remains to be on top of all the functioning of the store and can deduct the failure in near real time</a:t>
-            </a:r>
-            <a:endParaRPr lang="en-US" sz="1050" dirty="0">
+              <a:t>Store manager remains to be on top of all the functioning of the store and increase productivity</a:t>
+            </a:r>
+          </a:p>
+        </p:txBody>
+      </p:sp>
+      <p:sp>
+        <p:nvSpPr>
+          <p:cNvPr id="6" name="TextBox 5">
+            <a:extLst>
+              <a:ext uri="{FF2B5EF4-FFF2-40B4-BE49-F238E27FC236}">
+                <a16:creationId xmlns:a16="http://schemas.microsoft.com/office/drawing/2014/main" id="{E5940BBC-A0E3-3847-A262-3CF88AFE41B1}"/>
+              </a:ext>
+            </a:extLst>
+          </p:cNvPr>
+          <p:cNvSpPr txBox="1"/>
+          <p:nvPr/>
+        </p:nvSpPr>
+        <p:spPr>
+          <a:xfrm>
+            <a:off x="122548" y="4779390"/>
+            <a:ext cx="387002" cy="276999"/>
+          </a:xfrm>
+          <a:prstGeom prst="rect">
+            <a:avLst/>
+          </a:prstGeom>
+          <a:noFill/>
+        </p:spPr>
+        <p:txBody>
+          <a:bodyPr wrap="square" rtlCol="0">
+            <a:spAutoFit/>
+          </a:bodyPr>
+          <a:lstStyle/>
+          <a:p>
+            <a:fld id="{7F5A83DC-3BD0-264E-AE19-8F923C55F9B2}" type="slidenum">
+              <a:rPr lang="en-US" sz="1200" smtClean="0">
+                <a:solidFill>
+                  <a:schemeClr val="bg1"/>
+                </a:solidFill>
+              </a:rPr>
+              <a:t>5</a:t>
+            </a:fld>
+            <a:endParaRPr lang="en-US" sz="1200" dirty="0" err="1">
               <a:solidFill>
-                <a:schemeClr val="tx2"/>
+                <a:schemeClr val="bg1"/>
               </a:solidFill>
             </a:endParaRPr>
           </a:p>
@@ -7074,13 +7012,6 @@
   <p:clrMapOvr>
     <a:masterClrMapping/>
   </p:clrMapOvr>
-  <p:timing>
-    <p:tnLst>
-      <p:par>
-        <p:cTn id="1" dur="indefinite" restart="never" nodeType="tmRoot"/>
-      </p:par>
-    </p:tnLst>
-  </p:timing>
 </p:sld>
 </file>
 
@@ -7123,10 +7054,9 @@
           <a:lstStyle/>
           <a:p>
             <a:r>
-              <a:rPr lang="en-US" dirty="0" smtClean="0"/>
+              <a:rPr lang="en-US" dirty="0"/>
               <a:t>Thank you</a:t>
             </a:r>
-            <a:endParaRPr lang="en-US" dirty="0"/>
           </a:p>
         </p:txBody>
       </p:sp>
@@ -7143,33 +7073,91 @@
         <p:spPr/>
         <p:txBody>
           <a:bodyPr>
-            <a:normAutofit lnSpcReduction="10000"/>
+            <a:normAutofit fontScale="62500" lnSpcReduction="20000"/>
           </a:bodyPr>
           <a:lstStyle/>
           <a:p>
             <a:r>
-              <a:rPr lang="en-US" dirty="0" smtClean="0"/>
+              <a:rPr lang="en-US" dirty="0"/>
               <a:t>Devaki</a:t>
             </a:r>
           </a:p>
           <a:p>
             <a:r>
-              <a:rPr lang="en-US" dirty="0" smtClean="0"/>
+              <a:rPr lang="en-US" dirty="0"/>
               <a:t>Chandrakala</a:t>
             </a:r>
           </a:p>
           <a:p>
             <a:r>
-              <a:rPr lang="en-US" dirty="0" smtClean="0"/>
+              <a:rPr lang="en-US" dirty="0"/>
               <a:t>Sini</a:t>
             </a:r>
           </a:p>
           <a:p>
             <a:r>
-              <a:rPr lang="en-US" dirty="0" smtClean="0"/>
+              <a:rPr lang="en-US" dirty="0"/>
               <a:t>Mohanraj</a:t>
             </a:r>
+          </a:p>
+          <a:p>
             <a:endParaRPr lang="en-US" dirty="0"/>
+          </a:p>
+          <a:p>
+            <a:r>
+              <a:rPr lang="en-US" dirty="0">
+                <a:hlinkClick r:id="rId2"/>
+              </a:rPr>
+              <a:t>https://github.com/RAI-POC/EcommRAI</a:t>
+            </a:r>
+            <a:endParaRPr lang="en-US" dirty="0"/>
+          </a:p>
+          <a:p>
+            <a:endParaRPr lang="en-US" dirty="0"/>
+          </a:p>
+        </p:txBody>
+      </p:sp>
+      <p:sp>
+        <p:nvSpPr>
+          <p:cNvPr id="4" name="TextBox 3">
+            <a:extLst>
+              <a:ext uri="{FF2B5EF4-FFF2-40B4-BE49-F238E27FC236}">
+                <a16:creationId xmlns:a16="http://schemas.microsoft.com/office/drawing/2014/main" id="{34F52B48-31D6-D34D-ABA0-8EC03E528140}"/>
+              </a:ext>
+            </a:extLst>
+          </p:cNvPr>
+          <p:cNvSpPr txBox="1"/>
+          <p:nvPr/>
+        </p:nvSpPr>
+        <p:spPr>
+          <a:xfrm>
+            <a:off x="122548" y="4779390"/>
+            <a:ext cx="387002" cy="276999"/>
+          </a:xfrm>
+          <a:prstGeom prst="rect">
+            <a:avLst/>
+          </a:prstGeom>
+          <a:noFill/>
+        </p:spPr>
+        <p:txBody>
+          <a:bodyPr wrap="square" rtlCol="0">
+            <a:spAutoFit/>
+          </a:bodyPr>
+          <a:lstStyle/>
+          <a:p>
+            <a:fld id="{7F5A83DC-3BD0-264E-AE19-8F923C55F9B2}" type="slidenum">
+              <a:rPr lang="en-US" sz="1200" smtClean="0">
+                <a:solidFill>
+                  <a:schemeClr val="bg1"/>
+                </a:solidFill>
+              </a:rPr>
+              <a:t>6</a:t>
+            </a:fld>
+            <a:endParaRPr lang="en-US" sz="1200" dirty="0" err="1">
+              <a:solidFill>
+                <a:schemeClr val="bg1"/>
+              </a:solidFill>
+            </a:endParaRPr>
           </a:p>
         </p:txBody>
       </p:sp>
@@ -7183,13 +7171,6 @@
   <p:clrMapOvr>
     <a:masterClrMapping/>
   </p:clrMapOvr>
-  <p:timing>
-    <p:tnLst>
-      <p:par>
-        <p:cTn id="1" dur="indefinite" restart="never" nodeType="tmRoot"/>
-      </p:par>
-    </p:tnLst>
-  </p:timing>
 </p:sld>
 </file>
 
